--- a/CH3/C12626_03_Chris_FirstDraft.pptx
+++ b/CH3/C12626_03_Chris_FirstDraft.pptx
@@ -5,7 +5,7 @@
     <p:sldMasterId id="2147483660" r:id="rId1"/>
   </p:sldMasterIdLst>
   <p:notesMasterIdLst>
-    <p:notesMasterId r:id="rId24"/>
+    <p:notesMasterId r:id="rId26"/>
   </p:notesMasterIdLst>
   <p:sldIdLst>
     <p:sldId id="256" r:id="rId2"/>
@@ -19,17 +19,19 @@
     <p:sldId id="283" r:id="rId10"/>
     <p:sldId id="284" r:id="rId11"/>
     <p:sldId id="285" r:id="rId12"/>
-    <p:sldId id="286" r:id="rId13"/>
-    <p:sldId id="287" r:id="rId14"/>
-    <p:sldId id="288" r:id="rId15"/>
-    <p:sldId id="289" r:id="rId16"/>
-    <p:sldId id="290" r:id="rId17"/>
-    <p:sldId id="291" r:id="rId18"/>
-    <p:sldId id="292" r:id="rId19"/>
-    <p:sldId id="293" r:id="rId20"/>
-    <p:sldId id="294" r:id="rId21"/>
-    <p:sldId id="261" r:id="rId22"/>
-    <p:sldId id="262" r:id="rId23"/>
+    <p:sldId id="295" r:id="rId13"/>
+    <p:sldId id="296" r:id="rId14"/>
+    <p:sldId id="297" r:id="rId15"/>
+    <p:sldId id="292" r:id="rId16"/>
+    <p:sldId id="301" r:id="rId17"/>
+    <p:sldId id="286" r:id="rId18"/>
+    <p:sldId id="298" r:id="rId19"/>
+    <p:sldId id="299" r:id="rId20"/>
+    <p:sldId id="303" r:id="rId21"/>
+    <p:sldId id="304" r:id="rId22"/>
+    <p:sldId id="300" r:id="rId23"/>
+    <p:sldId id="287" r:id="rId24"/>
+    <p:sldId id="262" r:id="rId25"/>
   </p:sldIdLst>
   <p:sldSz cx="12192000" cy="6858000"/>
   <p:notesSz cx="6858000" cy="9144000"/>
@@ -300,7 +302,7 @@
 <p:cmLst xmlns:a="http://schemas.openxmlformats.org/drawingml/2006/main" xmlns:r="http://schemas.openxmlformats.org/officeDocument/2006/relationships" xmlns:p="http://schemas.openxmlformats.org/presentationml/2006/main">
   <p:cm authorId="1" dt="2019-01-23T09:21:31.081" idx="3">
     <p:pos x="10" y="10"/>
-    <p:text>Chris, please add aim, scenario and the highlevel steps.</p:text>
+    <p:text/>
     <p:extLst>
       <p:ext uri="{C676402C-5697-4E1C-873F-D02D1690AC5C}">
         <p15:threadingInfo xmlns:p15="http://schemas.microsoft.com/office/powerpoint/2012/main" timeZoneBias="-330"/>
@@ -311,6 +313,48 @@
 </file>
 
 <file path=ppt/comments/comment11.xml><?xml version="1.0" encoding="utf-8"?>
+<p:cmLst xmlns:a="http://schemas.openxmlformats.org/drawingml/2006/main" xmlns:r="http://schemas.openxmlformats.org/officeDocument/2006/relationships" xmlns:p="http://schemas.openxmlformats.org/presentationml/2006/main">
+  <p:cm authorId="1" dt="2019-01-23T09:21:31.081" idx="3">
+    <p:pos x="10" y="10"/>
+    <p:text/>
+    <p:extLst>
+      <p:ext uri="{C676402C-5697-4E1C-873F-D02D1690AC5C}">
+        <p15:threadingInfo xmlns:p15="http://schemas.microsoft.com/office/powerpoint/2012/main" timeZoneBias="-330"/>
+      </p:ext>
+    </p:extLst>
+  </p:cm>
+</p:cmLst>
+</file>
+
+<file path=ppt/comments/comment12.xml><?xml version="1.0" encoding="utf-8"?>
+<p:cmLst xmlns:a="http://schemas.openxmlformats.org/drawingml/2006/main" xmlns:r="http://schemas.openxmlformats.org/officeDocument/2006/relationships" xmlns:p="http://schemas.openxmlformats.org/presentationml/2006/main">
+  <p:cm authorId="1" dt="2019-01-23T09:21:31.081" idx="3">
+    <p:pos x="10" y="10"/>
+    <p:text/>
+    <p:extLst>
+      <p:ext uri="{C676402C-5697-4E1C-873F-D02D1690AC5C}">
+        <p15:threadingInfo xmlns:p15="http://schemas.microsoft.com/office/powerpoint/2012/main" timeZoneBias="-330"/>
+      </p:ext>
+    </p:extLst>
+  </p:cm>
+</p:cmLst>
+</file>
+
+<file path=ppt/comments/comment13.xml><?xml version="1.0" encoding="utf-8"?>
+<p:cmLst xmlns:a="http://schemas.openxmlformats.org/drawingml/2006/main" xmlns:r="http://schemas.openxmlformats.org/officeDocument/2006/relationships" xmlns:p="http://schemas.openxmlformats.org/presentationml/2006/main">
+  <p:cm authorId="1" dt="2019-01-23T12:38:10.113" idx="5">
+    <p:pos x="6758" y="1071"/>
+    <p:text>Please add the scenario and the data required  to complete the exercise</p:text>
+    <p:extLst>
+      <p:ext uri="{C676402C-5697-4E1C-873F-D02D1690AC5C}">
+        <p15:threadingInfo xmlns:p15="http://schemas.microsoft.com/office/powerpoint/2012/main" timeZoneBias="-330"/>
+      </p:ext>
+    </p:extLst>
+  </p:cm>
+</p:cmLst>
+</file>
+
+<file path=ppt/comments/comment14.xml><?xml version="1.0" encoding="utf-8"?>
 <p:cmLst xmlns:a="http://schemas.openxmlformats.org/drawingml/2006/main" xmlns:r="http://schemas.openxmlformats.org/officeDocument/2006/relationships" xmlns:p="http://schemas.openxmlformats.org/presentationml/2006/main">
   <p:cm authorId="1" dt="2019-01-23T09:06:57.027" idx="1">
     <p:pos x="10" y="10"/>
@@ -324,53 +368,11 @@
 </p:cmLst>
 </file>
 
-<file path=ppt/comments/comment12.xml><?xml version="1.0" encoding="utf-8"?>
+<file path=ppt/comments/comment15.xml><?xml version="1.0" encoding="utf-8"?>
 <p:cmLst xmlns:a="http://schemas.openxmlformats.org/drawingml/2006/main" xmlns:r="http://schemas.openxmlformats.org/officeDocument/2006/relationships" xmlns:p="http://schemas.openxmlformats.org/presentationml/2006/main">
   <p:cm authorId="1" dt="2019-01-23T09:21:31.081" idx="3">
     <p:pos x="10" y="10"/>
-    <p:text>Add what K-means clustering is and how is it useful.</p:text>
-    <p:extLst>
-      <p:ext uri="{C676402C-5697-4E1C-873F-D02D1690AC5C}">
-        <p15:threadingInfo xmlns:p15="http://schemas.microsoft.com/office/powerpoint/2012/main" timeZoneBias="-330"/>
-      </p:ext>
-    </p:extLst>
-  </p:cm>
-</p:cmLst>
-</file>
-
-<file path=ppt/comments/comment13.xml><?xml version="1.0" encoding="utf-8"?>
-<p:cmLst xmlns:a="http://schemas.openxmlformats.org/drawingml/2006/main" xmlns:r="http://schemas.openxmlformats.org/officeDocument/2006/relationships" xmlns:p="http://schemas.openxmlformats.org/presentationml/2006/main">
-  <p:cm authorId="1" dt="2019-01-23T12:33:31.045" idx="4">
-    <p:pos x="4492" y="608"/>
-    <p:text>Add the steps here</p:text>
-    <p:extLst>
-      <p:ext uri="{C676402C-5697-4E1C-873F-D02D1690AC5C}">
-        <p15:threadingInfo xmlns:p15="http://schemas.microsoft.com/office/powerpoint/2012/main" timeZoneBias="-330"/>
-      </p:ext>
-    </p:extLst>
-  </p:cm>
-</p:cmLst>
-</file>
-
-<file path=ppt/comments/comment14.xml><?xml version="1.0" encoding="utf-8"?>
-<p:cmLst xmlns:a="http://schemas.openxmlformats.org/drawingml/2006/main" xmlns:r="http://schemas.openxmlformats.org/officeDocument/2006/relationships" xmlns:p="http://schemas.openxmlformats.org/presentationml/2006/main">
-  <p:cm authorId="1" dt="2019-01-23T09:06:57.027" idx="1">
-    <p:pos x="10" y="10"/>
-    <p:text>Global Comment: Chris, please add the answer to the discussion questions in the notes section.</p:text>
-    <p:extLst>
-      <p:ext uri="{C676402C-5697-4E1C-873F-D02D1690AC5C}">
-        <p15:threadingInfo xmlns:p15="http://schemas.microsoft.com/office/powerpoint/2012/main" timeZoneBias="-330"/>
-      </p:ext>
-    </p:extLst>
-  </p:cm>
-</p:cmLst>
-</file>
-
-<file path=ppt/comments/comment15.xml><?xml version="1.0" encoding="utf-8"?>
-<p:cmLst xmlns:a="http://schemas.openxmlformats.org/drawingml/2006/main" xmlns:r="http://schemas.openxmlformats.org/officeDocument/2006/relationships" xmlns:p="http://schemas.openxmlformats.org/presentationml/2006/main">
-  <p:cm authorId="1" dt="2019-01-23T12:33:31.045" idx="4">
-    <p:pos x="4492" y="608"/>
-    <p:text>Add the relecant information on this.</p:text>
+    <p:text>Chris, please add aim, scenario and the highlevel steps.</p:text>
     <p:extLst>
       <p:ext uri="{C676402C-5697-4E1C-873F-D02D1690AC5C}">
         <p15:threadingInfo xmlns:p15="http://schemas.microsoft.com/office/powerpoint/2012/main" timeZoneBias="-330"/>
@@ -381,6 +383,34 @@
 </file>
 
 <file path=ppt/comments/comment16.xml><?xml version="1.0" encoding="utf-8"?>
+<p:cmLst xmlns:a="http://schemas.openxmlformats.org/drawingml/2006/main" xmlns:r="http://schemas.openxmlformats.org/officeDocument/2006/relationships" xmlns:p="http://schemas.openxmlformats.org/presentationml/2006/main">
+  <p:cm authorId="1" dt="2019-01-23T09:21:31.081" idx="3">
+    <p:pos x="10" y="10"/>
+    <p:text>Chris, please add aim, scenario and the highlevel steps.</p:text>
+    <p:extLst>
+      <p:ext uri="{C676402C-5697-4E1C-873F-D02D1690AC5C}">
+        <p15:threadingInfo xmlns:p15="http://schemas.microsoft.com/office/powerpoint/2012/main" timeZoneBias="-330"/>
+      </p:ext>
+    </p:extLst>
+  </p:cm>
+</p:cmLst>
+</file>
+
+<file path=ppt/comments/comment17.xml><?xml version="1.0" encoding="utf-8"?>
+<p:cmLst xmlns:a="http://schemas.openxmlformats.org/drawingml/2006/main" xmlns:r="http://schemas.openxmlformats.org/officeDocument/2006/relationships" xmlns:p="http://schemas.openxmlformats.org/presentationml/2006/main">
+  <p:cm authorId="1" dt="2019-01-23T09:21:31.081" idx="3">
+    <p:pos x="10" y="10"/>
+    <p:text>Chris, please add aim, scenario and the highlevel steps.</p:text>
+    <p:extLst>
+      <p:ext uri="{C676402C-5697-4E1C-873F-D02D1690AC5C}">
+        <p15:threadingInfo xmlns:p15="http://schemas.microsoft.com/office/powerpoint/2012/main" timeZoneBias="-330"/>
+      </p:ext>
+    </p:extLst>
+  </p:cm>
+</p:cmLst>
+</file>
+
+<file path=ppt/comments/comment18.xml><?xml version="1.0" encoding="utf-8"?>
 <p:cmLst xmlns:a="http://schemas.openxmlformats.org/drawingml/2006/main" xmlns:r="http://schemas.openxmlformats.org/officeDocument/2006/relationships" xmlns:p="http://schemas.openxmlformats.org/presentationml/2006/main">
   <p:cm authorId="1" dt="2019-01-23T12:38:10.113" idx="5">
     <p:pos x="6758" y="1071"/>
@@ -394,39 +424,11 @@
 </p:cmLst>
 </file>
 
-<file path=ppt/comments/comment17.xml><?xml version="1.0" encoding="utf-8"?>
-<p:cmLst xmlns:a="http://schemas.openxmlformats.org/drawingml/2006/main" xmlns:r="http://schemas.openxmlformats.org/officeDocument/2006/relationships" xmlns:p="http://schemas.openxmlformats.org/presentationml/2006/main">
-  <p:cm authorId="1" dt="2019-01-23T12:38:10.113" idx="5">
-    <p:pos x="6758" y="1071"/>
-    <p:text>Please add the scenario and the data required  to complete the exercise</p:text>
-    <p:extLst>
-      <p:ext uri="{C676402C-5697-4E1C-873F-D02D1690AC5C}">
-        <p15:threadingInfo xmlns:p15="http://schemas.microsoft.com/office/powerpoint/2012/main" timeZoneBias="-330"/>
-      </p:ext>
-    </p:extLst>
-  </p:cm>
-</p:cmLst>
-</file>
-
-<file path=ppt/comments/comment18.xml><?xml version="1.0" encoding="utf-8"?>
-<p:cmLst xmlns:a="http://schemas.openxmlformats.org/drawingml/2006/main" xmlns:r="http://schemas.openxmlformats.org/officeDocument/2006/relationships" xmlns:p="http://schemas.openxmlformats.org/presentationml/2006/main">
-  <p:cm authorId="1" dt="2019-01-23T12:38:10.113" idx="5">
-    <p:pos x="6758" y="1071"/>
-    <p:text>Please add the aim, scenario and the high-level steps. Also, add the expected output which will be derived at the end of this activity.</p:text>
-    <p:extLst>
-      <p:ext uri="{C676402C-5697-4E1C-873F-D02D1690AC5C}">
-        <p15:threadingInfo xmlns:p15="http://schemas.microsoft.com/office/powerpoint/2012/main" timeZoneBias="-330"/>
-      </p:ext>
-    </p:extLst>
-  </p:cm>
-</p:cmLst>
-</file>
-
 <file path=ppt/comments/comment19.xml><?xml version="1.0" encoding="utf-8"?>
 <p:cmLst xmlns:a="http://schemas.openxmlformats.org/drawingml/2006/main" xmlns:r="http://schemas.openxmlformats.org/officeDocument/2006/relationships" xmlns:p="http://schemas.openxmlformats.org/presentationml/2006/main">
-  <p:cm authorId="1" dt="2019-01-23T12:43:11.430" idx="6">
+  <p:cm authorId="1" dt="2019-01-23T09:06:57.027" idx="1">
     <p:pos x="10" y="10"/>
-    <p:text>Global Comment: Chris, please add the answer to the discussion questions in the notes section.</p:text>
+    <p:text>Global Comment: Chris, please add the possible answers to the discussion questions in the notes section.</p:text>
     <p:extLst>
       <p:ext uri="{C676402C-5697-4E1C-873F-D02D1690AC5C}">
         <p15:threadingInfo xmlns:p15="http://schemas.microsoft.com/office/powerpoint/2012/main" timeZoneBias="-330"/>
@@ -451,6 +453,34 @@
 </file>
 
 <file path=ppt/comments/comment20.xml><?xml version="1.0" encoding="utf-8"?>
+<p:cmLst xmlns:a="http://schemas.openxmlformats.org/drawingml/2006/main" xmlns:r="http://schemas.openxmlformats.org/officeDocument/2006/relationships" xmlns:p="http://schemas.openxmlformats.org/presentationml/2006/main">
+  <p:cm authorId="1" dt="2019-01-23T12:38:10.113" idx="5">
+    <p:pos x="6758" y="1071"/>
+    <p:text>Please add the scenario and the data required  to complete the exercise</p:text>
+    <p:extLst>
+      <p:ext uri="{C676402C-5697-4E1C-873F-D02D1690AC5C}">
+        <p15:threadingInfo xmlns:p15="http://schemas.microsoft.com/office/powerpoint/2012/main" timeZoneBias="-330"/>
+      </p:ext>
+    </p:extLst>
+  </p:cm>
+</p:cmLst>
+</file>
+
+<file path=ppt/comments/comment21.xml><?xml version="1.0" encoding="utf-8"?>
+<p:cmLst xmlns:a="http://schemas.openxmlformats.org/drawingml/2006/main" xmlns:r="http://schemas.openxmlformats.org/officeDocument/2006/relationships" xmlns:p="http://schemas.openxmlformats.org/presentationml/2006/main">
+  <p:cm authorId="1" dt="2019-01-23T09:06:57.027" idx="1">
+    <p:pos x="10" y="10"/>
+    <p:text>Global Comment: Chris, please add the possible answers to the discussion questions in the notes section.</p:text>
+    <p:extLst>
+      <p:ext uri="{C676402C-5697-4E1C-873F-D02D1690AC5C}">
+        <p15:threadingInfo xmlns:p15="http://schemas.microsoft.com/office/powerpoint/2012/main" timeZoneBias="-330"/>
+      </p:ext>
+    </p:extLst>
+  </p:cm>
+</p:cmLst>
+</file>
+
+<file path=ppt/comments/comment22.xml><?xml version="1.0" encoding="utf-8"?>
 <p:cmLst xmlns:a="http://schemas.openxmlformats.org/drawingml/2006/main" xmlns:r="http://schemas.openxmlformats.org/officeDocument/2006/relationships" xmlns:p="http://schemas.openxmlformats.org/presentationml/2006/main">
   <p:cm authorId="1" dt="2019-01-23T12:43:26.943" idx="7">
     <p:pos x="505" y="1146"/>
@@ -1875,7 +1905,7 @@
     </p:spTree>
     <p:extLst>
       <p:ext uri="{BB962C8B-B14F-4D97-AF65-F5344CB8AC3E}">
-        <p14:creationId xmlns:p14="http://schemas.microsoft.com/office/powerpoint/2010/main" val="470600314"/>
+        <p14:creationId xmlns:p14="http://schemas.microsoft.com/office/powerpoint/2010/main" val="3740165134"/>
       </p:ext>
     </p:extLst>
   </p:cSld>
@@ -1984,7 +2014,7 @@
     </p:spTree>
     <p:extLst>
       <p:ext uri="{BB962C8B-B14F-4D97-AF65-F5344CB8AC3E}">
-        <p14:creationId xmlns:p14="http://schemas.microsoft.com/office/powerpoint/2010/main" val="1618574225"/>
+        <p14:creationId xmlns:p14="http://schemas.microsoft.com/office/powerpoint/2010/main" val="2030898394"/>
       </p:ext>
     </p:extLst>
   </p:cSld>
@@ -2093,7 +2123,7 @@
     </p:spTree>
     <p:extLst>
       <p:ext uri="{BB962C8B-B14F-4D97-AF65-F5344CB8AC3E}">
-        <p14:creationId xmlns:p14="http://schemas.microsoft.com/office/powerpoint/2010/main" val="3659650663"/>
+        <p14:creationId xmlns:p14="http://schemas.microsoft.com/office/powerpoint/2010/main" val="1334597703"/>
       </p:ext>
     </p:extLst>
   </p:cSld>
@@ -2104,333 +2134,6 @@
 </file>
 
 <file path=ppt/notesSlides/notesSlide15.xml><?xml version="1.0" encoding="utf-8"?>
-<p:notes xmlns:a="http://schemas.openxmlformats.org/drawingml/2006/main" xmlns:r="http://schemas.openxmlformats.org/officeDocument/2006/relationships" xmlns:p="http://schemas.openxmlformats.org/presentationml/2006/main" showMasterSp="0" showMasterPhAnim="0">
-  <p:cSld>
-    <p:spTree>
-      <p:nvGrpSpPr>
-        <p:cNvPr id="1" name="Shape 79"/>
-        <p:cNvGrpSpPr/>
-        <p:nvPr/>
-      </p:nvGrpSpPr>
-      <p:grpSpPr>
-        <a:xfrm>
-          <a:off x="0" y="0"/>
-          <a:ext cx="0" cy="0"/>
-          <a:chOff x="0" y="0"/>
-          <a:chExt cx="0" cy="0"/>
-        </a:xfrm>
-      </p:grpSpPr>
-      <p:sp>
-        <p:nvSpPr>
-          <p:cNvPr id="80" name="Google Shape;80;p3:notes"/>
-          <p:cNvSpPr txBox="1">
-            <a:spLocks noGrp="1"/>
-          </p:cNvSpPr>
-          <p:nvPr>
-            <p:ph type="body" idx="1"/>
-          </p:nvPr>
-        </p:nvSpPr>
-        <p:spPr>
-          <a:xfrm>
-            <a:off x="777240" y="4777560"/>
-            <a:ext cx="6217560" cy="4525920"/>
-          </a:xfrm>
-          <a:prstGeom prst="rect">
-            <a:avLst/>
-          </a:prstGeom>
-        </p:spPr>
-        <p:txBody>
-          <a:bodyPr spcFirstLastPara="1" wrap="square" lIns="0" tIns="0" rIns="0" bIns="0" anchor="t" anchorCtr="0">
-            <a:noAutofit/>
-          </a:bodyPr>
-          <a:lstStyle/>
-          <a:p>
-            <a:pPr marL="0" lvl="0" indent="0" algn="l" rtl="0">
-              <a:spcBef>
-                <a:spcPts val="0"/>
-              </a:spcBef>
-              <a:spcAft>
-                <a:spcPts val="0"/>
-              </a:spcAft>
-              <a:buNone/>
-            </a:pPr>
-            <a:endParaRPr/>
-          </a:p>
-        </p:txBody>
-      </p:sp>
-      <p:sp>
-        <p:nvSpPr>
-          <p:cNvPr id="81" name="Google Shape;81;p3:notes"/>
-          <p:cNvSpPr>
-            <a:spLocks noGrp="1" noRot="1" noChangeAspect="1"/>
-          </p:cNvSpPr>
-          <p:nvPr>
-            <p:ph type="sldImg" idx="2"/>
-          </p:nvPr>
-        </p:nvSpPr>
-        <p:spPr>
-          <a:xfrm>
-            <a:off x="533400" y="763588"/>
-            <a:ext cx="6704013" cy="3771900"/>
-          </a:xfrm>
-          <a:custGeom>
-            <a:avLst/>
-            <a:gdLst/>
-            <a:ahLst/>
-            <a:cxnLst/>
-            <a:rect l="l" t="t" r="r" b="b"/>
-            <a:pathLst>
-              <a:path w="120000" h="120000" extrusionOk="0">
-                <a:moveTo>
-                  <a:pt x="0" y="0"/>
-                </a:moveTo>
-                <a:lnTo>
-                  <a:pt x="120000" y="0"/>
-                </a:lnTo>
-                <a:lnTo>
-                  <a:pt x="120000" y="120000"/>
-                </a:lnTo>
-                <a:lnTo>
-                  <a:pt x="0" y="120000"/>
-                </a:lnTo>
-                <a:close/>
-              </a:path>
-            </a:pathLst>
-          </a:custGeom>
-        </p:spPr>
-      </p:sp>
-    </p:spTree>
-    <p:extLst>
-      <p:ext uri="{BB962C8B-B14F-4D97-AF65-F5344CB8AC3E}">
-        <p14:creationId xmlns:p14="http://schemas.microsoft.com/office/powerpoint/2010/main" val="1364671319"/>
-      </p:ext>
-    </p:extLst>
-  </p:cSld>
-  <p:clrMapOvr>
-    <a:masterClrMapping/>
-  </p:clrMapOvr>
-</p:notes>
-</file>
-
-<file path=ppt/notesSlides/notesSlide16.xml><?xml version="1.0" encoding="utf-8"?>
-<p:notes xmlns:a="http://schemas.openxmlformats.org/drawingml/2006/main" xmlns:r="http://schemas.openxmlformats.org/officeDocument/2006/relationships" xmlns:p="http://schemas.openxmlformats.org/presentationml/2006/main" showMasterSp="0" showMasterPhAnim="0">
-  <p:cSld>
-    <p:spTree>
-      <p:nvGrpSpPr>
-        <p:cNvPr id="1" name="Shape 79"/>
-        <p:cNvGrpSpPr/>
-        <p:nvPr/>
-      </p:nvGrpSpPr>
-      <p:grpSpPr>
-        <a:xfrm>
-          <a:off x="0" y="0"/>
-          <a:ext cx="0" cy="0"/>
-          <a:chOff x="0" y="0"/>
-          <a:chExt cx="0" cy="0"/>
-        </a:xfrm>
-      </p:grpSpPr>
-      <p:sp>
-        <p:nvSpPr>
-          <p:cNvPr id="80" name="Google Shape;80;p3:notes"/>
-          <p:cNvSpPr txBox="1">
-            <a:spLocks noGrp="1"/>
-          </p:cNvSpPr>
-          <p:nvPr>
-            <p:ph type="body" idx="1"/>
-          </p:nvPr>
-        </p:nvSpPr>
-        <p:spPr>
-          <a:xfrm>
-            <a:off x="777240" y="4777560"/>
-            <a:ext cx="6217560" cy="4525920"/>
-          </a:xfrm>
-          <a:prstGeom prst="rect">
-            <a:avLst/>
-          </a:prstGeom>
-        </p:spPr>
-        <p:txBody>
-          <a:bodyPr spcFirstLastPara="1" wrap="square" lIns="0" tIns="0" rIns="0" bIns="0" anchor="t" anchorCtr="0">
-            <a:noAutofit/>
-          </a:bodyPr>
-          <a:lstStyle/>
-          <a:p>
-            <a:pPr marL="0" lvl="0" indent="0" algn="l" rtl="0">
-              <a:spcBef>
-                <a:spcPts val="0"/>
-              </a:spcBef>
-              <a:spcAft>
-                <a:spcPts val="0"/>
-              </a:spcAft>
-              <a:buNone/>
-            </a:pPr>
-            <a:endParaRPr/>
-          </a:p>
-        </p:txBody>
-      </p:sp>
-      <p:sp>
-        <p:nvSpPr>
-          <p:cNvPr id="81" name="Google Shape;81;p3:notes"/>
-          <p:cNvSpPr>
-            <a:spLocks noGrp="1" noRot="1" noChangeAspect="1"/>
-          </p:cNvSpPr>
-          <p:nvPr>
-            <p:ph type="sldImg" idx="2"/>
-          </p:nvPr>
-        </p:nvSpPr>
-        <p:spPr>
-          <a:xfrm>
-            <a:off x="533400" y="763588"/>
-            <a:ext cx="6704013" cy="3771900"/>
-          </a:xfrm>
-          <a:custGeom>
-            <a:avLst/>
-            <a:gdLst/>
-            <a:ahLst/>
-            <a:cxnLst/>
-            <a:rect l="l" t="t" r="r" b="b"/>
-            <a:pathLst>
-              <a:path w="120000" h="120000" extrusionOk="0">
-                <a:moveTo>
-                  <a:pt x="0" y="0"/>
-                </a:moveTo>
-                <a:lnTo>
-                  <a:pt x="120000" y="0"/>
-                </a:lnTo>
-                <a:lnTo>
-                  <a:pt x="120000" y="120000"/>
-                </a:lnTo>
-                <a:lnTo>
-                  <a:pt x="0" y="120000"/>
-                </a:lnTo>
-                <a:close/>
-              </a:path>
-            </a:pathLst>
-          </a:custGeom>
-        </p:spPr>
-      </p:sp>
-    </p:spTree>
-    <p:extLst>
-      <p:ext uri="{BB962C8B-B14F-4D97-AF65-F5344CB8AC3E}">
-        <p14:creationId xmlns:p14="http://schemas.microsoft.com/office/powerpoint/2010/main" val="1635004752"/>
-      </p:ext>
-    </p:extLst>
-  </p:cSld>
-  <p:clrMapOvr>
-    <a:masterClrMapping/>
-  </p:clrMapOvr>
-</p:notes>
-</file>
-
-<file path=ppt/notesSlides/notesSlide17.xml><?xml version="1.0" encoding="utf-8"?>
-<p:notes xmlns:a="http://schemas.openxmlformats.org/drawingml/2006/main" xmlns:r="http://schemas.openxmlformats.org/officeDocument/2006/relationships" xmlns:p="http://schemas.openxmlformats.org/presentationml/2006/main" showMasterSp="0" showMasterPhAnim="0">
-  <p:cSld>
-    <p:spTree>
-      <p:nvGrpSpPr>
-        <p:cNvPr id="1" name="Shape 79"/>
-        <p:cNvGrpSpPr/>
-        <p:nvPr/>
-      </p:nvGrpSpPr>
-      <p:grpSpPr>
-        <a:xfrm>
-          <a:off x="0" y="0"/>
-          <a:ext cx="0" cy="0"/>
-          <a:chOff x="0" y="0"/>
-          <a:chExt cx="0" cy="0"/>
-        </a:xfrm>
-      </p:grpSpPr>
-      <p:sp>
-        <p:nvSpPr>
-          <p:cNvPr id="80" name="Google Shape;80;p3:notes"/>
-          <p:cNvSpPr txBox="1">
-            <a:spLocks noGrp="1"/>
-          </p:cNvSpPr>
-          <p:nvPr>
-            <p:ph type="body" idx="1"/>
-          </p:nvPr>
-        </p:nvSpPr>
-        <p:spPr>
-          <a:xfrm>
-            <a:off x="777240" y="4777560"/>
-            <a:ext cx="6217560" cy="4525920"/>
-          </a:xfrm>
-          <a:prstGeom prst="rect">
-            <a:avLst/>
-          </a:prstGeom>
-        </p:spPr>
-        <p:txBody>
-          <a:bodyPr spcFirstLastPara="1" wrap="square" lIns="0" tIns="0" rIns="0" bIns="0" anchor="t" anchorCtr="0">
-            <a:noAutofit/>
-          </a:bodyPr>
-          <a:lstStyle/>
-          <a:p>
-            <a:pPr marL="0" lvl="0" indent="0" algn="l" rtl="0">
-              <a:spcBef>
-                <a:spcPts val="0"/>
-              </a:spcBef>
-              <a:spcAft>
-                <a:spcPts val="0"/>
-              </a:spcAft>
-              <a:buNone/>
-            </a:pPr>
-            <a:endParaRPr/>
-          </a:p>
-        </p:txBody>
-      </p:sp>
-      <p:sp>
-        <p:nvSpPr>
-          <p:cNvPr id="81" name="Google Shape;81;p3:notes"/>
-          <p:cNvSpPr>
-            <a:spLocks noGrp="1" noRot="1" noChangeAspect="1"/>
-          </p:cNvSpPr>
-          <p:nvPr>
-            <p:ph type="sldImg" idx="2"/>
-          </p:nvPr>
-        </p:nvSpPr>
-        <p:spPr>
-          <a:xfrm>
-            <a:off x="533400" y="763588"/>
-            <a:ext cx="6704013" cy="3771900"/>
-          </a:xfrm>
-          <a:custGeom>
-            <a:avLst/>
-            <a:gdLst/>
-            <a:ahLst/>
-            <a:cxnLst/>
-            <a:rect l="l" t="t" r="r" b="b"/>
-            <a:pathLst>
-              <a:path w="120000" h="120000" extrusionOk="0">
-                <a:moveTo>
-                  <a:pt x="0" y="0"/>
-                </a:moveTo>
-                <a:lnTo>
-                  <a:pt x="120000" y="0"/>
-                </a:lnTo>
-                <a:lnTo>
-                  <a:pt x="120000" y="120000"/>
-                </a:lnTo>
-                <a:lnTo>
-                  <a:pt x="0" y="120000"/>
-                </a:lnTo>
-                <a:close/>
-              </a:path>
-            </a:pathLst>
-          </a:custGeom>
-        </p:spPr>
-      </p:sp>
-    </p:spTree>
-    <p:extLst>
-      <p:ext uri="{BB962C8B-B14F-4D97-AF65-F5344CB8AC3E}">
-        <p14:creationId xmlns:p14="http://schemas.microsoft.com/office/powerpoint/2010/main" val="460880637"/>
-      </p:ext>
-    </p:extLst>
-  </p:cSld>
-  <p:clrMapOvr>
-    <a:masterClrMapping/>
-  </p:clrMapOvr>
-</p:notes>
-</file>
-
-<file path=ppt/notesSlides/notesSlide18.xml><?xml version="1.0" encoding="utf-8"?>
 <p:notes xmlns:a="http://schemas.openxmlformats.org/drawingml/2006/main" xmlns:r="http://schemas.openxmlformats.org/officeDocument/2006/relationships" xmlns:p="http://schemas.openxmlformats.org/presentationml/2006/main" showMasterSp="0" showMasterPhAnim="0">
   <p:cSld>
     <p:spTree>
@@ -2539,7 +2242,7 @@
 </p:notes>
 </file>
 
-<file path=ppt/notesSlides/notesSlide19.xml><?xml version="1.0" encoding="utf-8"?>
+<file path=ppt/notesSlides/notesSlide16.xml><?xml version="1.0" encoding="utf-8"?>
 <p:notes xmlns:a="http://schemas.openxmlformats.org/drawingml/2006/main" xmlns:r="http://schemas.openxmlformats.org/officeDocument/2006/relationships" xmlns:p="http://schemas.openxmlformats.org/presentationml/2006/main" showMasterSp="0" showMasterPhAnim="0">
   <p:cSld>
     <p:spTree>
@@ -2590,7 +2293,42 @@
               </a:spcAft>
               <a:buNone/>
             </a:pPr>
-            <a:endParaRPr/>
+            <a:r>
+              <a:rPr lang="en-US" dirty="0"/>
+              <a:t>Instructor Notes –</a:t>
+            </a:r>
+          </a:p>
+          <a:p>
+            <a:pPr marL="285750" lvl="0" indent="-285750" algn="l" rtl="0">
+              <a:spcBef>
+                <a:spcPts val="0"/>
+              </a:spcBef>
+              <a:spcAft>
+                <a:spcPts val="0"/>
+              </a:spcAft>
+              <a:buFontTx/>
+              <a:buChar char="-"/>
+            </a:pPr>
+            <a:r>
+              <a:rPr lang="en-US" dirty="0"/>
+              <a:t>Modifying your neighborhood radius size should drive a sizeable change in output labels if the data set is in the same scale. For example with the dataset we provided in the Notebook, you will see large changes with 0.1 magnitude changes in neighborhood radius size.</a:t>
+            </a:r>
+          </a:p>
+          <a:p>
+            <a:pPr marL="285750" lvl="0" indent="-285750" algn="l" rtl="0">
+              <a:spcBef>
+                <a:spcPts val="0"/>
+              </a:spcBef>
+              <a:spcAft>
+                <a:spcPts val="0"/>
+              </a:spcAft>
+              <a:buFontTx/>
+              <a:buChar char="-"/>
+            </a:pPr>
+            <a:r>
+              <a:rPr lang="en-US" dirty="0"/>
+              <a:t>Answers will vary. Using the data set we provided in your Notebook, you will reach acceptable results with neighborhood radius of 0.7 and 10 minimum points.</a:t>
+            </a:r>
           </a:p>
         </p:txBody>
       </p:sp>
@@ -2638,7 +2376,334 @@
     </p:spTree>
     <p:extLst>
       <p:ext uri="{BB962C8B-B14F-4D97-AF65-F5344CB8AC3E}">
-        <p14:creationId xmlns:p14="http://schemas.microsoft.com/office/powerpoint/2010/main" val="1738136947"/>
+        <p14:creationId xmlns:p14="http://schemas.microsoft.com/office/powerpoint/2010/main" val="3435635962"/>
+      </p:ext>
+    </p:extLst>
+  </p:cSld>
+  <p:clrMapOvr>
+    <a:masterClrMapping/>
+  </p:clrMapOvr>
+</p:notes>
+</file>
+
+<file path=ppt/notesSlides/notesSlide17.xml><?xml version="1.0" encoding="utf-8"?>
+<p:notes xmlns:a="http://schemas.openxmlformats.org/drawingml/2006/main" xmlns:r="http://schemas.openxmlformats.org/officeDocument/2006/relationships" xmlns:p="http://schemas.openxmlformats.org/presentationml/2006/main" showMasterSp="0" showMasterPhAnim="0">
+  <p:cSld>
+    <p:spTree>
+      <p:nvGrpSpPr>
+        <p:cNvPr id="1" name="Shape 79"/>
+        <p:cNvGrpSpPr/>
+        <p:nvPr/>
+      </p:nvGrpSpPr>
+      <p:grpSpPr>
+        <a:xfrm>
+          <a:off x="0" y="0"/>
+          <a:ext cx="0" cy="0"/>
+          <a:chOff x="0" y="0"/>
+          <a:chExt cx="0" cy="0"/>
+        </a:xfrm>
+      </p:grpSpPr>
+      <p:sp>
+        <p:nvSpPr>
+          <p:cNvPr id="80" name="Google Shape;80;p3:notes"/>
+          <p:cNvSpPr txBox="1">
+            <a:spLocks noGrp="1"/>
+          </p:cNvSpPr>
+          <p:nvPr>
+            <p:ph type="body" idx="1"/>
+          </p:nvPr>
+        </p:nvSpPr>
+        <p:spPr>
+          <a:xfrm>
+            <a:off x="777240" y="4777560"/>
+            <a:ext cx="6217560" cy="4525920"/>
+          </a:xfrm>
+          <a:prstGeom prst="rect">
+            <a:avLst/>
+          </a:prstGeom>
+        </p:spPr>
+        <p:txBody>
+          <a:bodyPr spcFirstLastPara="1" wrap="square" lIns="0" tIns="0" rIns="0" bIns="0" anchor="t" anchorCtr="0">
+            <a:noAutofit/>
+          </a:bodyPr>
+          <a:lstStyle/>
+          <a:p>
+            <a:pPr marL="0" lvl="0" indent="0" algn="l" rtl="0">
+              <a:spcBef>
+                <a:spcPts val="0"/>
+              </a:spcBef>
+              <a:spcAft>
+                <a:spcPts val="0"/>
+              </a:spcAft>
+              <a:buNone/>
+            </a:pPr>
+            <a:endParaRPr/>
+          </a:p>
+        </p:txBody>
+      </p:sp>
+      <p:sp>
+        <p:nvSpPr>
+          <p:cNvPr id="81" name="Google Shape;81;p3:notes"/>
+          <p:cNvSpPr>
+            <a:spLocks noGrp="1" noRot="1" noChangeAspect="1"/>
+          </p:cNvSpPr>
+          <p:nvPr>
+            <p:ph type="sldImg" idx="2"/>
+          </p:nvPr>
+        </p:nvSpPr>
+        <p:spPr>
+          <a:xfrm>
+            <a:off x="533400" y="763588"/>
+            <a:ext cx="6704013" cy="3771900"/>
+          </a:xfrm>
+          <a:custGeom>
+            <a:avLst/>
+            <a:gdLst/>
+            <a:ahLst/>
+            <a:cxnLst/>
+            <a:rect l="l" t="t" r="r" b="b"/>
+            <a:pathLst>
+              <a:path w="120000" h="120000" extrusionOk="0">
+                <a:moveTo>
+                  <a:pt x="0" y="0"/>
+                </a:moveTo>
+                <a:lnTo>
+                  <a:pt x="120000" y="0"/>
+                </a:lnTo>
+                <a:lnTo>
+                  <a:pt x="120000" y="120000"/>
+                </a:lnTo>
+                <a:lnTo>
+                  <a:pt x="0" y="120000"/>
+                </a:lnTo>
+                <a:close/>
+              </a:path>
+            </a:pathLst>
+          </a:custGeom>
+        </p:spPr>
+      </p:sp>
+    </p:spTree>
+    <p:extLst>
+      <p:ext uri="{BB962C8B-B14F-4D97-AF65-F5344CB8AC3E}">
+        <p14:creationId xmlns:p14="http://schemas.microsoft.com/office/powerpoint/2010/main" val="470600314"/>
+      </p:ext>
+    </p:extLst>
+  </p:cSld>
+  <p:clrMapOvr>
+    <a:masterClrMapping/>
+  </p:clrMapOvr>
+</p:notes>
+</file>
+
+<file path=ppt/notesSlides/notesSlide18.xml><?xml version="1.0" encoding="utf-8"?>
+<p:notes xmlns:a="http://schemas.openxmlformats.org/drawingml/2006/main" xmlns:r="http://schemas.openxmlformats.org/officeDocument/2006/relationships" xmlns:p="http://schemas.openxmlformats.org/presentationml/2006/main" showMasterSp="0" showMasterPhAnim="0">
+  <p:cSld>
+    <p:spTree>
+      <p:nvGrpSpPr>
+        <p:cNvPr id="1" name="Shape 79"/>
+        <p:cNvGrpSpPr/>
+        <p:nvPr/>
+      </p:nvGrpSpPr>
+      <p:grpSpPr>
+        <a:xfrm>
+          <a:off x="0" y="0"/>
+          <a:ext cx="0" cy="0"/>
+          <a:chOff x="0" y="0"/>
+          <a:chExt cx="0" cy="0"/>
+        </a:xfrm>
+      </p:grpSpPr>
+      <p:sp>
+        <p:nvSpPr>
+          <p:cNvPr id="80" name="Google Shape;80;p3:notes"/>
+          <p:cNvSpPr txBox="1">
+            <a:spLocks noGrp="1"/>
+          </p:cNvSpPr>
+          <p:nvPr>
+            <p:ph type="body" idx="1"/>
+          </p:nvPr>
+        </p:nvSpPr>
+        <p:spPr>
+          <a:xfrm>
+            <a:off x="777240" y="4777560"/>
+            <a:ext cx="6217560" cy="4525920"/>
+          </a:xfrm>
+          <a:prstGeom prst="rect">
+            <a:avLst/>
+          </a:prstGeom>
+        </p:spPr>
+        <p:txBody>
+          <a:bodyPr spcFirstLastPara="1" wrap="square" lIns="0" tIns="0" rIns="0" bIns="0" anchor="t" anchorCtr="0">
+            <a:noAutofit/>
+          </a:bodyPr>
+          <a:lstStyle/>
+          <a:p>
+            <a:pPr marL="0" lvl="0" indent="0" algn="l" rtl="0">
+              <a:spcBef>
+                <a:spcPts val="0"/>
+              </a:spcBef>
+              <a:spcAft>
+                <a:spcPts val="0"/>
+              </a:spcAft>
+              <a:buNone/>
+            </a:pPr>
+            <a:endParaRPr/>
+          </a:p>
+        </p:txBody>
+      </p:sp>
+      <p:sp>
+        <p:nvSpPr>
+          <p:cNvPr id="81" name="Google Shape;81;p3:notes"/>
+          <p:cNvSpPr>
+            <a:spLocks noGrp="1" noRot="1" noChangeAspect="1"/>
+          </p:cNvSpPr>
+          <p:nvPr>
+            <p:ph type="sldImg" idx="2"/>
+          </p:nvPr>
+        </p:nvSpPr>
+        <p:spPr>
+          <a:xfrm>
+            <a:off x="533400" y="763588"/>
+            <a:ext cx="6704013" cy="3771900"/>
+          </a:xfrm>
+          <a:custGeom>
+            <a:avLst/>
+            <a:gdLst/>
+            <a:ahLst/>
+            <a:cxnLst/>
+            <a:rect l="l" t="t" r="r" b="b"/>
+            <a:pathLst>
+              <a:path w="120000" h="120000" extrusionOk="0">
+                <a:moveTo>
+                  <a:pt x="0" y="0"/>
+                </a:moveTo>
+                <a:lnTo>
+                  <a:pt x="120000" y="0"/>
+                </a:lnTo>
+                <a:lnTo>
+                  <a:pt x="120000" y="120000"/>
+                </a:lnTo>
+                <a:lnTo>
+                  <a:pt x="0" y="120000"/>
+                </a:lnTo>
+                <a:close/>
+              </a:path>
+            </a:pathLst>
+          </a:custGeom>
+        </p:spPr>
+      </p:sp>
+    </p:spTree>
+    <p:extLst>
+      <p:ext uri="{BB962C8B-B14F-4D97-AF65-F5344CB8AC3E}">
+        <p14:creationId xmlns:p14="http://schemas.microsoft.com/office/powerpoint/2010/main" val="2256502031"/>
+      </p:ext>
+    </p:extLst>
+  </p:cSld>
+  <p:clrMapOvr>
+    <a:masterClrMapping/>
+  </p:clrMapOvr>
+</p:notes>
+</file>
+
+<file path=ppt/notesSlides/notesSlide19.xml><?xml version="1.0" encoding="utf-8"?>
+<p:notes xmlns:a="http://schemas.openxmlformats.org/drawingml/2006/main" xmlns:r="http://schemas.openxmlformats.org/officeDocument/2006/relationships" xmlns:p="http://schemas.openxmlformats.org/presentationml/2006/main" showMasterSp="0" showMasterPhAnim="0">
+  <p:cSld>
+    <p:spTree>
+      <p:nvGrpSpPr>
+        <p:cNvPr id="1" name="Shape 79"/>
+        <p:cNvGrpSpPr/>
+        <p:nvPr/>
+      </p:nvGrpSpPr>
+      <p:grpSpPr>
+        <a:xfrm>
+          <a:off x="0" y="0"/>
+          <a:ext cx="0" cy="0"/>
+          <a:chOff x="0" y="0"/>
+          <a:chExt cx="0" cy="0"/>
+        </a:xfrm>
+      </p:grpSpPr>
+      <p:sp>
+        <p:nvSpPr>
+          <p:cNvPr id="80" name="Google Shape;80;p3:notes"/>
+          <p:cNvSpPr txBox="1">
+            <a:spLocks noGrp="1"/>
+          </p:cNvSpPr>
+          <p:nvPr>
+            <p:ph type="body" idx="1"/>
+          </p:nvPr>
+        </p:nvSpPr>
+        <p:spPr>
+          <a:xfrm>
+            <a:off x="777240" y="4777560"/>
+            <a:ext cx="6217560" cy="4525920"/>
+          </a:xfrm>
+          <a:prstGeom prst="rect">
+            <a:avLst/>
+          </a:prstGeom>
+        </p:spPr>
+        <p:txBody>
+          <a:bodyPr spcFirstLastPara="1" wrap="square" lIns="0" tIns="0" rIns="0" bIns="0" anchor="t" anchorCtr="0">
+            <a:noAutofit/>
+          </a:bodyPr>
+          <a:lstStyle/>
+          <a:p>
+            <a:pPr marL="0" lvl="0" indent="0" algn="l" rtl="0">
+              <a:spcBef>
+                <a:spcPts val="0"/>
+              </a:spcBef>
+              <a:spcAft>
+                <a:spcPts val="0"/>
+              </a:spcAft>
+              <a:buNone/>
+            </a:pPr>
+            <a:endParaRPr dirty="0"/>
+          </a:p>
+        </p:txBody>
+      </p:sp>
+      <p:sp>
+        <p:nvSpPr>
+          <p:cNvPr id="81" name="Google Shape;81;p3:notes"/>
+          <p:cNvSpPr>
+            <a:spLocks noGrp="1" noRot="1" noChangeAspect="1"/>
+          </p:cNvSpPr>
+          <p:nvPr>
+            <p:ph type="sldImg" idx="2"/>
+          </p:nvPr>
+        </p:nvSpPr>
+        <p:spPr>
+          <a:xfrm>
+            <a:off x="533400" y="763588"/>
+            <a:ext cx="6704013" cy="3771900"/>
+          </a:xfrm>
+          <a:custGeom>
+            <a:avLst/>
+            <a:gdLst/>
+            <a:ahLst/>
+            <a:cxnLst/>
+            <a:rect l="l" t="t" r="r" b="b"/>
+            <a:pathLst>
+              <a:path w="120000" h="120000" extrusionOk="0">
+                <a:moveTo>
+                  <a:pt x="0" y="0"/>
+                </a:moveTo>
+                <a:lnTo>
+                  <a:pt x="120000" y="0"/>
+                </a:lnTo>
+                <a:lnTo>
+                  <a:pt x="120000" y="120000"/>
+                </a:lnTo>
+                <a:lnTo>
+                  <a:pt x="0" y="120000"/>
+                </a:lnTo>
+                <a:close/>
+              </a:path>
+            </a:pathLst>
+          </a:custGeom>
+        </p:spPr>
+      </p:sp>
+    </p:spTree>
+    <p:extLst>
+      <p:ext uri="{BB962C8B-B14F-4D97-AF65-F5344CB8AC3E}">
+        <p14:creationId xmlns:p14="http://schemas.microsoft.com/office/powerpoint/2010/main" val="517384624"/>
       </p:ext>
     </p:extLst>
   </p:cSld>
@@ -2856,7 +2921,7 @@
     </p:spTree>
     <p:extLst>
       <p:ext uri="{BB962C8B-B14F-4D97-AF65-F5344CB8AC3E}">
-        <p14:creationId xmlns:p14="http://schemas.microsoft.com/office/powerpoint/2010/main" val="1787739015"/>
+        <p14:creationId xmlns:p14="http://schemas.microsoft.com/office/powerpoint/2010/main" val="4003954517"/>
       </p:ext>
     </p:extLst>
   </p:cSld>
@@ -2871,7 +2936,7 @@
   <p:cSld>
     <p:spTree>
       <p:nvGrpSpPr>
-        <p:cNvPr id="1" name="Shape 106"/>
+        <p:cNvPr id="1" name="Shape 79"/>
         <p:cNvGrpSpPr/>
         <p:nvPr/>
       </p:nvGrpSpPr>
@@ -2885,7 +2950,80 @@
       </p:grpSpPr>
       <p:sp>
         <p:nvSpPr>
-          <p:cNvPr id="107" name="Google Shape;107;p6:notes"/>
+          <p:cNvPr id="80" name="Google Shape;80;p3:notes"/>
+          <p:cNvSpPr txBox="1">
+            <a:spLocks noGrp="1"/>
+          </p:cNvSpPr>
+          <p:nvPr>
+            <p:ph type="body" idx="1"/>
+          </p:nvPr>
+        </p:nvSpPr>
+        <p:spPr>
+          <a:xfrm>
+            <a:off x="777240" y="4777560"/>
+            <a:ext cx="6217560" cy="4525920"/>
+          </a:xfrm>
+          <a:prstGeom prst="rect">
+            <a:avLst/>
+          </a:prstGeom>
+        </p:spPr>
+        <p:txBody>
+          <a:bodyPr spcFirstLastPara="1" wrap="square" lIns="0" tIns="0" rIns="0" bIns="0" anchor="t" anchorCtr="0">
+            <a:noAutofit/>
+          </a:bodyPr>
+          <a:lstStyle/>
+          <a:p>
+            <a:pPr marL="0" lvl="0" indent="0" algn="l" rtl="0">
+              <a:spcBef>
+                <a:spcPts val="0"/>
+              </a:spcBef>
+              <a:spcAft>
+                <a:spcPts val="0"/>
+              </a:spcAft>
+              <a:buNone/>
+            </a:pPr>
+            <a:r>
+              <a:rPr lang="en-US" dirty="0"/>
+              <a:t>Instructor Notes –</a:t>
+            </a:r>
+          </a:p>
+          <a:p>
+            <a:pPr marL="285750" lvl="0" indent="-285750" algn="l" rtl="0">
+              <a:spcBef>
+                <a:spcPts val="0"/>
+              </a:spcBef>
+              <a:spcAft>
+                <a:spcPts val="0"/>
+              </a:spcAft>
+              <a:buFontTx/>
+              <a:buChar char="-"/>
+            </a:pPr>
+            <a:r>
+              <a:rPr lang="en-US" dirty="0"/>
+              <a:t>Modifying your minimum points threshold should result in a noticeable change in output labels if the data set based on how many points are in your data set. More data points, less impact, unless minimum points is scaled up accordingly.</a:t>
+            </a:r>
+          </a:p>
+          <a:p>
+            <a:pPr marL="285750" lvl="0" indent="-285750" algn="l" rtl="0">
+              <a:spcBef>
+                <a:spcPts val="0"/>
+              </a:spcBef>
+              <a:spcAft>
+                <a:spcPts val="0"/>
+              </a:spcAft>
+              <a:buFontTx/>
+              <a:buChar char="-"/>
+            </a:pPr>
+            <a:r>
+              <a:rPr lang="en-US" dirty="0"/>
+              <a:t>Answers will vary. Using the data set we provided in your Notebook, you will reach acceptable results with neighborhood radius of 0.7 and 19 minimum points.</a:t>
+            </a:r>
+          </a:p>
+        </p:txBody>
+      </p:sp>
+      <p:sp>
+        <p:nvSpPr>
+          <p:cNvPr id="81" name="Google Shape;81;p3:notes"/>
           <p:cNvSpPr>
             <a:spLocks noGrp="1" noRot="1" noChangeAspect="1"/>
           </p:cNvSpPr>
@@ -2895,8 +3033,8 @@
         </p:nvSpPr>
         <p:spPr>
           <a:xfrm>
-            <a:off x="685800" y="1143000"/>
-            <a:ext cx="5486400" cy="3086100"/>
+            <a:off x="533400" y="763588"/>
+            <a:ext cx="6704013" cy="3771900"/>
           </a:xfrm>
           <a:custGeom>
             <a:avLst/>
@@ -2922,279 +3060,12 @@
               </a:path>
             </a:pathLst>
           </a:custGeom>
-          <a:noFill/>
-          <a:ln>
-            <a:noFill/>
-          </a:ln>
         </p:spPr>
-      </p:sp>
-      <p:sp>
-        <p:nvSpPr>
-          <p:cNvPr id="108" name="Google Shape;108;p6:notes"/>
-          <p:cNvSpPr txBox="1">
-            <a:spLocks noGrp="1"/>
-          </p:cNvSpPr>
-          <p:nvPr>
-            <p:ph type="body" idx="1"/>
-          </p:nvPr>
-        </p:nvSpPr>
-        <p:spPr>
-          <a:xfrm>
-            <a:off x="685800" y="4400640"/>
-            <a:ext cx="5486040" cy="3600000"/>
-          </a:xfrm>
-          <a:prstGeom prst="rect">
-            <a:avLst/>
-          </a:prstGeom>
-          <a:noFill/>
-          <a:ln>
-            <a:noFill/>
-          </a:ln>
-        </p:spPr>
-        <p:txBody>
-          <a:bodyPr spcFirstLastPara="1" wrap="square" lIns="0" tIns="0" rIns="0" bIns="0" anchor="t" anchorCtr="0">
-            <a:noAutofit/>
-          </a:bodyPr>
-          <a:lstStyle/>
-          <a:p>
-            <a:pPr marL="216000" lvl="0" indent="-216000" algn="l" rtl="0">
-              <a:lnSpc>
-                <a:spcPct val="100000"/>
-              </a:lnSpc>
-              <a:spcBef>
-                <a:spcPts val="0"/>
-              </a:spcBef>
-              <a:spcAft>
-                <a:spcPts val="0"/>
-              </a:spcAft>
-              <a:buNone/>
-            </a:pPr>
-            <a:r>
-              <a:rPr lang="en-US" sz="2000" b="0" strike="noStrike">
-                <a:latin typeface="Arial"/>
-                <a:ea typeface="Arial"/>
-                <a:cs typeface="Arial"/>
-                <a:sym typeface="Arial"/>
-              </a:rPr>
-              <a:t>Answer:</a:t>
-            </a:r>
-            <a:endParaRPr sz="2000" b="0" strike="noStrike">
-              <a:latin typeface="Arial"/>
-              <a:ea typeface="Arial"/>
-              <a:cs typeface="Arial"/>
-              <a:sym typeface="Arial"/>
-            </a:endParaRPr>
-          </a:p>
-          <a:p>
-            <a:pPr marL="0" lvl="0" indent="0" algn="l" rtl="0">
-              <a:lnSpc>
-                <a:spcPct val="100000"/>
-              </a:lnSpc>
-              <a:spcBef>
-                <a:spcPts val="0"/>
-              </a:spcBef>
-              <a:spcAft>
-                <a:spcPts val="0"/>
-              </a:spcAft>
-              <a:buNone/>
-            </a:pPr>
-            <a:r>
-              <a:rPr lang="en-US" sz="1200" b="0" strike="noStrike">
-                <a:solidFill>
-                  <a:srgbClr val="000000"/>
-                </a:solidFill>
-                <a:latin typeface="Arial"/>
-                <a:ea typeface="Arial"/>
-                <a:cs typeface="Arial"/>
-                <a:sym typeface="Arial"/>
-              </a:rPr>
-              <a:t> </a:t>
-            </a:r>
-            <a:r>
-              <a:rPr lang="en-US" sz="1200" b="1" strike="noStrike">
-                <a:solidFill>
-                  <a:srgbClr val="000000"/>
-                </a:solidFill>
-                <a:latin typeface="Arial"/>
-                <a:ea typeface="Arial"/>
-                <a:cs typeface="Arial"/>
-                <a:sym typeface="Arial"/>
-              </a:rPr>
-              <a:t>  </a:t>
-            </a:r>
-            <a:r>
-              <a:rPr lang="en-US" sz="1200" b="0" strike="noStrike">
-                <a:solidFill>
-                  <a:srgbClr val="000000"/>
-                </a:solidFill>
-                <a:latin typeface="Arial"/>
-                <a:ea typeface="Arial"/>
-                <a:cs typeface="Arial"/>
-                <a:sym typeface="Arial"/>
-              </a:rPr>
-              <a:t>  </a:t>
-            </a:r>
-            <a:endParaRPr sz="1200" b="0" strike="noStrike">
-              <a:latin typeface="Arial"/>
-              <a:ea typeface="Arial"/>
-              <a:cs typeface="Arial"/>
-              <a:sym typeface="Arial"/>
-            </a:endParaRPr>
-          </a:p>
-          <a:p>
-            <a:pPr marL="216000" lvl="0" indent="-216000" algn="l" rtl="0">
-              <a:lnSpc>
-                <a:spcPct val="100000"/>
-              </a:lnSpc>
-              <a:spcBef>
-                <a:spcPts val="0"/>
-              </a:spcBef>
-              <a:spcAft>
-                <a:spcPts val="0"/>
-              </a:spcAft>
-              <a:buNone/>
-            </a:pPr>
-            <a:r>
-              <a:rPr lang="en-US" sz="1200" b="0" strike="noStrike">
-                <a:solidFill>
-                  <a:srgbClr val="000000"/>
-                </a:solidFill>
-                <a:latin typeface="Arial"/>
-                <a:ea typeface="Arial"/>
-                <a:cs typeface="Arial"/>
-                <a:sym typeface="Arial"/>
-              </a:rPr>
-              <a:t> </a:t>
-            </a:r>
-            <a:endParaRPr sz="1200" b="0" strike="noStrike">
-              <a:latin typeface="Arial"/>
-              <a:ea typeface="Arial"/>
-              <a:cs typeface="Arial"/>
-              <a:sym typeface="Arial"/>
-            </a:endParaRPr>
-          </a:p>
-        </p:txBody>
-      </p:sp>
-      <p:sp>
-        <p:nvSpPr>
-          <p:cNvPr id="109" name="Google Shape;109;p6:notes"/>
-          <p:cNvSpPr txBox="1"/>
-          <p:nvPr/>
-        </p:nvSpPr>
-        <p:spPr>
-          <a:xfrm>
-            <a:off x="3884760" y="0"/>
-            <a:ext cx="2971440" cy="458280"/>
-          </a:xfrm>
-          <a:prstGeom prst="rect">
-            <a:avLst/>
-          </a:prstGeom>
-          <a:noFill/>
-          <a:ln>
-            <a:noFill/>
-          </a:ln>
-        </p:spPr>
-        <p:txBody>
-          <a:bodyPr spcFirstLastPara="1" wrap="square" lIns="91425" tIns="45700" rIns="91425" bIns="45700" anchor="t" anchorCtr="0">
-            <a:noAutofit/>
-          </a:bodyPr>
-          <a:lstStyle/>
-          <a:p>
-            <a:pPr marL="0" marR="0" lvl="0" indent="0" algn="r" rtl="0">
-              <a:lnSpc>
-                <a:spcPct val="100000"/>
-              </a:lnSpc>
-              <a:spcBef>
-                <a:spcPts val="0"/>
-              </a:spcBef>
-              <a:spcAft>
-                <a:spcPts val="0"/>
-              </a:spcAft>
-              <a:buNone/>
-            </a:pPr>
-            <a:r>
-              <a:rPr lang="en-US" sz="1200" b="0" i="0" u="none" strike="noStrike" cap="none">
-                <a:solidFill>
-                  <a:srgbClr val="000000"/>
-                </a:solidFill>
-                <a:latin typeface="Arial"/>
-                <a:ea typeface="Arial"/>
-                <a:cs typeface="Arial"/>
-                <a:sym typeface="Arial"/>
-              </a:rPr>
-              <a:t>11/25/2018</a:t>
-            </a:r>
-            <a:endParaRPr sz="1200" b="0" i="0" u="none" strike="noStrike" cap="none">
-              <a:latin typeface="Times New Roman"/>
-              <a:ea typeface="Times New Roman"/>
-              <a:cs typeface="Times New Roman"/>
-              <a:sym typeface="Times New Roman"/>
-            </a:endParaRPr>
-          </a:p>
-        </p:txBody>
-      </p:sp>
-      <p:sp>
-        <p:nvSpPr>
-          <p:cNvPr id="110" name="Google Shape;110;p6:notes"/>
-          <p:cNvSpPr txBox="1"/>
-          <p:nvPr/>
-        </p:nvSpPr>
-        <p:spPr>
-          <a:xfrm>
-            <a:off x="3884760" y="8685360"/>
-            <a:ext cx="2971440" cy="458280"/>
-          </a:xfrm>
-          <a:prstGeom prst="rect">
-            <a:avLst/>
-          </a:prstGeom>
-          <a:noFill/>
-          <a:ln>
-            <a:noFill/>
-          </a:ln>
-        </p:spPr>
-        <p:txBody>
-          <a:bodyPr spcFirstLastPara="1" wrap="square" lIns="91425" tIns="45700" rIns="91425" bIns="45700" anchor="b" anchorCtr="0">
-            <a:noAutofit/>
-          </a:bodyPr>
-          <a:lstStyle/>
-          <a:p>
-            <a:pPr marL="0" marR="0" lvl="0" indent="0" algn="r" rtl="0">
-              <a:lnSpc>
-                <a:spcPct val="100000"/>
-              </a:lnSpc>
-              <a:spcBef>
-                <a:spcPts val="0"/>
-              </a:spcBef>
-              <a:spcAft>
-                <a:spcPts val="0"/>
-              </a:spcAft>
-              <a:buNone/>
-            </a:pPr>
-            <a:fld id="{00000000-1234-1234-1234-123412341234}" type="slidenum">
-              <a:rPr lang="en-US" sz="1200" b="0" i="0" u="none" strike="noStrike" cap="none">
-                <a:solidFill>
-                  <a:srgbClr val="000000"/>
-                </a:solidFill>
-                <a:latin typeface="Arial"/>
-                <a:ea typeface="Arial"/>
-                <a:cs typeface="Arial"/>
-                <a:sym typeface="Arial"/>
-              </a:rPr>
-              <a:t>21</a:t>
-            </a:fld>
-            <a:endParaRPr sz="1200" b="0" i="0" u="none" strike="noStrike" cap="none">
-              <a:latin typeface="Times New Roman"/>
-              <a:ea typeface="Times New Roman"/>
-              <a:cs typeface="Times New Roman"/>
-              <a:sym typeface="Times New Roman"/>
-            </a:endParaRPr>
-          </a:p>
-        </p:txBody>
       </p:sp>
     </p:spTree>
     <p:extLst>
       <p:ext uri="{BB962C8B-B14F-4D97-AF65-F5344CB8AC3E}">
-        <p14:creationId xmlns:p14="http://schemas.microsoft.com/office/powerpoint/2010/main" val="1323689565"/>
+        <p14:creationId xmlns:p14="http://schemas.microsoft.com/office/powerpoint/2010/main" val="2313526205"/>
       </p:ext>
     </p:extLst>
   </p:cSld>
@@ -3205,6 +3076,260 @@
 </file>
 
 <file path=ppt/notesSlides/notesSlide22.xml><?xml version="1.0" encoding="utf-8"?>
+<p:notes xmlns:a="http://schemas.openxmlformats.org/drawingml/2006/main" xmlns:r="http://schemas.openxmlformats.org/officeDocument/2006/relationships" xmlns:p="http://schemas.openxmlformats.org/presentationml/2006/main" showMasterSp="0" showMasterPhAnim="0">
+  <p:cSld>
+    <p:spTree>
+      <p:nvGrpSpPr>
+        <p:cNvPr id="1" name="Shape 79"/>
+        <p:cNvGrpSpPr/>
+        <p:nvPr/>
+      </p:nvGrpSpPr>
+      <p:grpSpPr>
+        <a:xfrm>
+          <a:off x="0" y="0"/>
+          <a:ext cx="0" cy="0"/>
+          <a:chOff x="0" y="0"/>
+          <a:chExt cx="0" cy="0"/>
+        </a:xfrm>
+      </p:grpSpPr>
+      <p:sp>
+        <p:nvSpPr>
+          <p:cNvPr id="80" name="Google Shape;80;p3:notes"/>
+          <p:cNvSpPr txBox="1">
+            <a:spLocks noGrp="1"/>
+          </p:cNvSpPr>
+          <p:nvPr>
+            <p:ph type="body" idx="1"/>
+          </p:nvPr>
+        </p:nvSpPr>
+        <p:spPr>
+          <a:xfrm>
+            <a:off x="777240" y="4777560"/>
+            <a:ext cx="6217560" cy="4525920"/>
+          </a:xfrm>
+          <a:prstGeom prst="rect">
+            <a:avLst/>
+          </a:prstGeom>
+        </p:spPr>
+        <p:txBody>
+          <a:bodyPr spcFirstLastPara="1" wrap="square" lIns="0" tIns="0" rIns="0" bIns="0" anchor="t" anchorCtr="0">
+            <a:noAutofit/>
+          </a:bodyPr>
+          <a:lstStyle/>
+          <a:p>
+            <a:pPr marL="0" lvl="0" indent="0" algn="l" rtl="0">
+              <a:spcBef>
+                <a:spcPts val="0"/>
+              </a:spcBef>
+              <a:spcAft>
+                <a:spcPts val="0"/>
+              </a:spcAft>
+              <a:buNone/>
+            </a:pPr>
+            <a:endParaRPr/>
+          </a:p>
+        </p:txBody>
+      </p:sp>
+      <p:sp>
+        <p:nvSpPr>
+          <p:cNvPr id="81" name="Google Shape;81;p3:notes"/>
+          <p:cNvSpPr>
+            <a:spLocks noGrp="1" noRot="1" noChangeAspect="1"/>
+          </p:cNvSpPr>
+          <p:nvPr>
+            <p:ph type="sldImg" idx="2"/>
+          </p:nvPr>
+        </p:nvSpPr>
+        <p:spPr>
+          <a:xfrm>
+            <a:off x="533400" y="763588"/>
+            <a:ext cx="6704013" cy="3771900"/>
+          </a:xfrm>
+          <a:custGeom>
+            <a:avLst/>
+            <a:gdLst/>
+            <a:ahLst/>
+            <a:cxnLst/>
+            <a:rect l="l" t="t" r="r" b="b"/>
+            <a:pathLst>
+              <a:path w="120000" h="120000" extrusionOk="0">
+                <a:moveTo>
+                  <a:pt x="0" y="0"/>
+                </a:moveTo>
+                <a:lnTo>
+                  <a:pt x="120000" y="0"/>
+                </a:lnTo>
+                <a:lnTo>
+                  <a:pt x="120000" y="120000"/>
+                </a:lnTo>
+                <a:lnTo>
+                  <a:pt x="0" y="120000"/>
+                </a:lnTo>
+                <a:close/>
+              </a:path>
+            </a:pathLst>
+          </a:custGeom>
+        </p:spPr>
+      </p:sp>
+    </p:spTree>
+    <p:extLst>
+      <p:ext uri="{BB962C8B-B14F-4D97-AF65-F5344CB8AC3E}">
+        <p14:creationId xmlns:p14="http://schemas.microsoft.com/office/powerpoint/2010/main" val="4042506514"/>
+      </p:ext>
+    </p:extLst>
+  </p:cSld>
+  <p:clrMapOvr>
+    <a:masterClrMapping/>
+  </p:clrMapOvr>
+</p:notes>
+</file>
+
+<file path=ppt/notesSlides/notesSlide23.xml><?xml version="1.0" encoding="utf-8"?>
+<p:notes xmlns:a="http://schemas.openxmlformats.org/drawingml/2006/main" xmlns:r="http://schemas.openxmlformats.org/officeDocument/2006/relationships" xmlns:p="http://schemas.openxmlformats.org/presentationml/2006/main" showMasterSp="0" showMasterPhAnim="0">
+  <p:cSld>
+    <p:spTree>
+      <p:nvGrpSpPr>
+        <p:cNvPr id="1" name="Shape 79"/>
+        <p:cNvGrpSpPr/>
+        <p:nvPr/>
+      </p:nvGrpSpPr>
+      <p:grpSpPr>
+        <a:xfrm>
+          <a:off x="0" y="0"/>
+          <a:ext cx="0" cy="0"/>
+          <a:chOff x="0" y="0"/>
+          <a:chExt cx="0" cy="0"/>
+        </a:xfrm>
+      </p:grpSpPr>
+      <p:sp>
+        <p:nvSpPr>
+          <p:cNvPr id="80" name="Google Shape;80;p3:notes"/>
+          <p:cNvSpPr txBox="1">
+            <a:spLocks noGrp="1"/>
+          </p:cNvSpPr>
+          <p:nvPr>
+            <p:ph type="body" idx="1"/>
+          </p:nvPr>
+        </p:nvSpPr>
+        <p:spPr>
+          <a:xfrm>
+            <a:off x="777240" y="4777560"/>
+            <a:ext cx="6217560" cy="4525920"/>
+          </a:xfrm>
+          <a:prstGeom prst="rect">
+            <a:avLst/>
+          </a:prstGeom>
+        </p:spPr>
+        <p:txBody>
+          <a:bodyPr spcFirstLastPara="1" wrap="square" lIns="0" tIns="0" rIns="0" bIns="0" anchor="t" anchorCtr="0">
+            <a:noAutofit/>
+          </a:bodyPr>
+          <a:lstStyle/>
+          <a:p>
+            <a:pPr marL="0" lvl="0" indent="0" algn="l" rtl="0">
+              <a:spcBef>
+                <a:spcPts val="0"/>
+              </a:spcBef>
+              <a:spcAft>
+                <a:spcPts val="0"/>
+              </a:spcAft>
+              <a:buNone/>
+            </a:pPr>
+            <a:r>
+              <a:rPr lang="en-US" dirty="0"/>
+              <a:t>Instructor Notes:</a:t>
+            </a:r>
+          </a:p>
+          <a:p>
+            <a:pPr marL="285750" lvl="0" indent="-285750" algn="l" rtl="0">
+              <a:spcBef>
+                <a:spcPts val="0"/>
+              </a:spcBef>
+              <a:spcAft>
+                <a:spcPts val="0"/>
+              </a:spcAft>
+              <a:buFontTx/>
+              <a:buChar char="-"/>
+            </a:pPr>
+            <a:r>
+              <a:rPr lang="en-US" dirty="0"/>
+              <a:t>Student will likely have had to change their hyperparameters a lot given the data sets we provided in the Notebook. Key lesson here is to constantly drive home that each of the clustering approaches we’ve discussed so far is just a tool framework, and not perfect out of the box.</a:t>
+            </a:r>
+          </a:p>
+          <a:p>
+            <a:pPr marL="285750" lvl="0" indent="-285750" algn="l" rtl="0">
+              <a:spcBef>
+                <a:spcPts val="0"/>
+              </a:spcBef>
+              <a:spcAft>
+                <a:spcPts val="0"/>
+              </a:spcAft>
+              <a:buFontTx/>
+              <a:buChar char="-"/>
+            </a:pPr>
+            <a:r>
+              <a:rPr lang="en-US" dirty="0"/>
+              <a:t>If students use the data sets we provided in the Notebook, they will see quality performance from Agglomerative Clustering and DBSCAN. These perform best for complex data like the crescent moons and circles because they have constraints in their neighbor search.</a:t>
+            </a:r>
+            <a:endParaRPr dirty="0"/>
+          </a:p>
+        </p:txBody>
+      </p:sp>
+      <p:sp>
+        <p:nvSpPr>
+          <p:cNvPr id="81" name="Google Shape;81;p3:notes"/>
+          <p:cNvSpPr>
+            <a:spLocks noGrp="1" noRot="1" noChangeAspect="1"/>
+          </p:cNvSpPr>
+          <p:nvPr>
+            <p:ph type="sldImg" idx="2"/>
+          </p:nvPr>
+        </p:nvSpPr>
+        <p:spPr>
+          <a:xfrm>
+            <a:off x="533400" y="763588"/>
+            <a:ext cx="6704013" cy="3771900"/>
+          </a:xfrm>
+          <a:custGeom>
+            <a:avLst/>
+            <a:gdLst/>
+            <a:ahLst/>
+            <a:cxnLst/>
+            <a:rect l="l" t="t" r="r" b="b"/>
+            <a:pathLst>
+              <a:path w="120000" h="120000" extrusionOk="0">
+                <a:moveTo>
+                  <a:pt x="0" y="0"/>
+                </a:moveTo>
+                <a:lnTo>
+                  <a:pt x="120000" y="0"/>
+                </a:lnTo>
+                <a:lnTo>
+                  <a:pt x="120000" y="120000"/>
+                </a:lnTo>
+                <a:lnTo>
+                  <a:pt x="0" y="120000"/>
+                </a:lnTo>
+                <a:close/>
+              </a:path>
+            </a:pathLst>
+          </a:custGeom>
+        </p:spPr>
+      </p:sp>
+    </p:spTree>
+    <p:extLst>
+      <p:ext uri="{BB962C8B-B14F-4D97-AF65-F5344CB8AC3E}">
+        <p14:creationId xmlns:p14="http://schemas.microsoft.com/office/powerpoint/2010/main" val="1618574225"/>
+      </p:ext>
+    </p:extLst>
+  </p:cSld>
+  <p:clrMapOvr>
+    <a:masterClrMapping/>
+  </p:clrMapOvr>
+</p:notes>
+</file>
+
+<file path=ppt/notesSlides/notesSlide24.xml><?xml version="1.0" encoding="utf-8"?>
 <p:notes xmlns:a="http://schemas.openxmlformats.org/drawingml/2006/main" xmlns:r="http://schemas.openxmlformats.org/officeDocument/2006/relationships" xmlns:p="http://schemas.openxmlformats.org/presentationml/2006/main" showMasterSp="0" showMasterPhAnim="0">
   <p:cSld>
     <p:spTree>
@@ -3831,7 +3956,43 @@
               </a:spcAft>
               <a:buNone/>
             </a:pPr>
-            <a:endParaRPr/>
+            <a:r>
+              <a:rPr lang="en-US" dirty="0"/>
+              <a:t>Instructor Notes:</a:t>
+            </a:r>
+          </a:p>
+          <a:p>
+            <a:pPr marL="285750" lvl="0" indent="-285750" algn="l" rtl="0">
+              <a:spcBef>
+                <a:spcPts val="0"/>
+              </a:spcBef>
+              <a:spcAft>
+                <a:spcPts val="0"/>
+              </a:spcAft>
+              <a:buFontTx/>
+              <a:buChar char="-"/>
+            </a:pPr>
+            <a:r>
+              <a:rPr lang="en-US" dirty="0"/>
+              <a:t>Responses to this slide will be variable due to highlighting the work of your students. The key point to drive home as a result of this slide should be that K-Means is great for large volumes of data that are easily separable (think discrete blobs of data), whereas Hierarchical Clustering will be helpful for more complex, interwoven data. </a:t>
+            </a:r>
+          </a:p>
+          <a:p>
+            <a:pPr marL="285750" lvl="0" indent="-285750" algn="l" rtl="0">
+              <a:spcBef>
+                <a:spcPts val="0"/>
+              </a:spcBef>
+              <a:spcAft>
+                <a:spcPts val="0"/>
+              </a:spcAft>
+              <a:buFontTx/>
+              <a:buChar char="-"/>
+            </a:pPr>
+            <a:r>
+              <a:rPr lang="en-US" dirty="0"/>
+              <a:t>Hierarchical Clustering also benefits from not needing to know exactly how many clusters you want a priori.</a:t>
+            </a:r>
+            <a:endParaRPr dirty="0"/>
           </a:p>
         </p:txBody>
       </p:sp>
@@ -4049,7 +4210,42 @@
               </a:spcAft>
               <a:buNone/>
             </a:pPr>
-            <a:endParaRPr/>
+            <a:r>
+              <a:rPr lang="en-US" dirty="0"/>
+              <a:t>Instructor Notes:</a:t>
+            </a:r>
+          </a:p>
+          <a:p>
+            <a:pPr marL="285750" lvl="0" indent="-285750" algn="l" rtl="0">
+              <a:spcBef>
+                <a:spcPts val="0"/>
+              </a:spcBef>
+              <a:spcAft>
+                <a:spcPts val="0"/>
+              </a:spcAft>
+              <a:buFontTx/>
+              <a:buChar char="-"/>
+            </a:pPr>
+            <a:r>
+              <a:rPr lang="en-US" dirty="0"/>
+              <a:t>K-Means is better suited for simple data because it works by simply calculating Euclidean distance from a centroid to all points in a dataset and grabbing its closest neighbors. This approach to searching doesn’t care to capture important information about the overall structure in your data. It just grabs closest points.</a:t>
+            </a:r>
+          </a:p>
+          <a:p>
+            <a:pPr marL="285750" lvl="0" indent="-285750" algn="l" rtl="0">
+              <a:spcBef>
+                <a:spcPts val="0"/>
+              </a:spcBef>
+              <a:spcAft>
+                <a:spcPts val="0"/>
+              </a:spcAft>
+              <a:buFontTx/>
+              <a:buChar char="-"/>
+            </a:pPr>
+            <a:r>
+              <a:rPr lang="en-US" dirty="0"/>
+              <a:t>Hierarchical Clustering is better if you don’t know how many clusters you will want because it iteratively builds different potential clusters on its own, which you can then review for clusters in a dendrogram. It is more exhaustive and will take longer but it gives you a great overview of how you can carve your data into groups.</a:t>
+            </a:r>
           </a:p>
         </p:txBody>
       </p:sp>
@@ -4267,7 +4463,42 @@
               </a:spcAft>
               <a:buNone/>
             </a:pPr>
-            <a:endParaRPr/>
+            <a:r>
+              <a:rPr lang="en-US" dirty="0"/>
+              <a:t>Instructor Notes:</a:t>
+            </a:r>
+          </a:p>
+          <a:p>
+            <a:pPr marL="285750" lvl="0" indent="-285750" algn="l" rtl="0">
+              <a:spcBef>
+                <a:spcPts val="0"/>
+              </a:spcBef>
+              <a:spcAft>
+                <a:spcPts val="0"/>
+              </a:spcAft>
+              <a:buFontTx/>
+              <a:buChar char="-"/>
+            </a:pPr>
+            <a:r>
+              <a:rPr lang="en-US" dirty="0"/>
+              <a:t>With the approaches we’ve covered so far, every point in your data set will be classified into a cluster. This is a blanket approach since we do not consider the possibility that some data points are random noise and should not be part of any neighborhood.</a:t>
+            </a:r>
+          </a:p>
+          <a:p>
+            <a:pPr marL="285750" lvl="0" indent="-285750" algn="l" rtl="0">
+              <a:spcBef>
+                <a:spcPts val="0"/>
+              </a:spcBef>
+              <a:spcAft>
+                <a:spcPts val="0"/>
+              </a:spcAft>
+              <a:buFontTx/>
+              <a:buChar char="-"/>
+            </a:pPr>
+            <a:r>
+              <a:rPr lang="en-US" dirty="0"/>
+              <a:t>No, Euclidean distance only as an approach feeds into the shortcomings related to the prior question. If you had an extremely sparse data set, K-Means will still find clusters since it doesn’t have much to stop it from exploring globally. </a:t>
+            </a:r>
           </a:p>
         </p:txBody>
       </p:sp>
@@ -11061,7 +11292,7 @@
             <a:pPr lvl="0"/>
             <a:r>
               <a:rPr lang="en-US" sz="3600" dirty="0"/>
-              <a:t>Identifying Clusters</a:t>
+              <a:t>DBSCAN: Intro</a:t>
             </a:r>
             <a:endParaRPr sz="3600" b="0" i="0" u="none" strike="noStrike" cap="none" dirty="0">
               <a:solidFill>
@@ -11099,6 +11330,158 @@
             <a:noAutofit/>
           </a:bodyPr>
           <a:lstStyle/>
+          <a:p>
+            <a:pPr lvl="0">
+              <a:lnSpc>
+                <a:spcPct val="140000"/>
+              </a:lnSpc>
+            </a:pPr>
+            <a:r>
+              <a:rPr lang="en-US" sz="2000" b="0" i="0" u="none" strike="noStrike" cap="none" dirty="0">
+                <a:latin typeface="Arial"/>
+                <a:ea typeface="Arial"/>
+                <a:cs typeface="Arial"/>
+                <a:sym typeface="Arial"/>
+              </a:rPr>
+              <a:t>DBSCAN </a:t>
+            </a:r>
+            <a:r>
+              <a:rPr lang="en-US" sz="2000" dirty="0"/>
+              <a:t>= </a:t>
+            </a:r>
+            <a:r>
+              <a:rPr lang="en-US" sz="2000" b="1" dirty="0"/>
+              <a:t>D</a:t>
+            </a:r>
+            <a:r>
+              <a:rPr lang="en-US" sz="2000" dirty="0"/>
+              <a:t>ensity-</a:t>
+            </a:r>
+            <a:r>
+              <a:rPr lang="en-US" sz="2000" b="1" dirty="0"/>
+              <a:t>B</a:t>
+            </a:r>
+            <a:r>
+              <a:rPr lang="en-US" sz="2000" dirty="0"/>
+              <a:t>ased </a:t>
+            </a:r>
+            <a:r>
+              <a:rPr lang="en-US" sz="2000" b="1" dirty="0"/>
+              <a:t>S</a:t>
+            </a:r>
+            <a:r>
+              <a:rPr lang="en-US" sz="2000" dirty="0"/>
+              <a:t>patial </a:t>
+            </a:r>
+            <a:r>
+              <a:rPr lang="en-US" sz="2000" b="1" dirty="0"/>
+              <a:t>C</a:t>
+            </a:r>
+            <a:r>
+              <a:rPr lang="en-US" sz="2000" dirty="0"/>
+              <a:t>lustering of </a:t>
+            </a:r>
+            <a:r>
+              <a:rPr lang="en-US" sz="2000" b="1" dirty="0"/>
+              <a:t>A</a:t>
+            </a:r>
+            <a:r>
+              <a:rPr lang="en-US" sz="2000" dirty="0"/>
+              <a:t>pplications with </a:t>
+            </a:r>
+            <a:r>
+              <a:rPr lang="en-US" sz="2000" b="1" dirty="0"/>
+              <a:t>N</a:t>
+            </a:r>
+            <a:r>
+              <a:rPr lang="en-US" sz="2000" dirty="0"/>
+              <a:t>oise</a:t>
+            </a:r>
+          </a:p>
+          <a:p>
+            <a:pPr lvl="0">
+              <a:lnSpc>
+                <a:spcPct val="140000"/>
+              </a:lnSpc>
+            </a:pPr>
+            <a:endParaRPr lang="en-US" sz="2000" dirty="0"/>
+          </a:p>
+          <a:p>
+            <a:pPr marL="342900" lvl="0" indent="-342900">
+              <a:lnSpc>
+                <a:spcPct val="140000"/>
+              </a:lnSpc>
+              <a:buFontTx/>
+              <a:buChar char="-"/>
+            </a:pPr>
+            <a:r>
+              <a:rPr lang="en-US" sz="2000" dirty="0"/>
+              <a:t>Builds clusters using the concept of density as the primary driver.</a:t>
+            </a:r>
+          </a:p>
+          <a:p>
+            <a:pPr marL="342900" lvl="0" indent="-342900">
+              <a:lnSpc>
+                <a:spcPct val="140000"/>
+              </a:lnSpc>
+              <a:buFontTx/>
+              <a:buChar char="-"/>
+            </a:pPr>
+            <a:r>
+              <a:rPr lang="en-US" sz="2000" dirty="0"/>
+              <a:t>Uses hyperparameters of neighborhood radius (often seen as </a:t>
+            </a:r>
+            <a:r>
+              <a:rPr lang="en-US" sz="2000" b="1" dirty="0"/>
+              <a:t>eps</a:t>
+            </a:r>
+            <a:r>
+              <a:rPr lang="en-US" sz="2000" dirty="0"/>
+              <a:t>) and minimum points threshold. </a:t>
+            </a:r>
+          </a:p>
+          <a:p>
+            <a:pPr marL="342900" lvl="0" indent="-342900">
+              <a:lnSpc>
+                <a:spcPct val="140000"/>
+              </a:lnSpc>
+              <a:buFontTx/>
+              <a:buChar char="-"/>
+            </a:pPr>
+            <a:r>
+              <a:rPr lang="en-US" sz="2000" dirty="0"/>
+              <a:t>For any given point in your dataset, DBSCAN evaluates cluster membership by seeing which nearby points fall into its neighborhood radius, and then checks to see if the number of neighbors exceeds the minimum points threshold.</a:t>
+            </a:r>
+          </a:p>
+          <a:p>
+            <a:pPr lvl="0">
+              <a:lnSpc>
+                <a:spcPct val="140000"/>
+              </a:lnSpc>
+            </a:pPr>
+            <a:endParaRPr lang="en-US" sz="2000" dirty="0"/>
+          </a:p>
+          <a:p>
+            <a:pPr lvl="0">
+              <a:lnSpc>
+                <a:spcPct val="140000"/>
+              </a:lnSpc>
+            </a:pPr>
+            <a:endParaRPr lang="en-US" sz="2000" dirty="0"/>
+          </a:p>
+          <a:p>
+            <a:pPr lvl="0">
+              <a:lnSpc>
+                <a:spcPct val="140000"/>
+              </a:lnSpc>
+            </a:pPr>
+            <a:endParaRPr lang="en-US" sz="2000" b="0" i="0" u="none" strike="noStrike" cap="none" dirty="0">
+              <a:latin typeface="Arial"/>
+              <a:ea typeface="Arial"/>
+              <a:cs typeface="Arial"/>
+              <a:sym typeface="Arial"/>
+            </a:endParaRPr>
+          </a:p>
           <a:p>
             <a:pPr lvl="0">
               <a:lnSpc>
@@ -11227,7 +11610,7 @@
             <a:pPr lvl="0"/>
             <a:r>
               <a:rPr lang="en-US" sz="3600" dirty="0"/>
-              <a:t>Two-Dimensional Data</a:t>
+              <a:t>DBSCAN: In Depth</a:t>
             </a:r>
             <a:endParaRPr sz="3600" b="0" i="0" u="none" strike="noStrike" cap="none" dirty="0">
               <a:solidFill>
@@ -11249,8 +11632,8 @@
         </p:nvSpPr>
         <p:spPr>
           <a:xfrm>
-            <a:off x="648000" y="1700640"/>
-            <a:ext cx="10079640" cy="4320000"/>
+            <a:off x="647999" y="1700640"/>
+            <a:ext cx="11166629" cy="4320000"/>
           </a:xfrm>
           <a:prstGeom prst="rect">
             <a:avLst/>
@@ -11265,6 +11648,114 @@
             <a:noAutofit/>
           </a:bodyPr>
           <a:lstStyle/>
+          <a:p>
+            <a:pPr lvl="0">
+              <a:lnSpc>
+                <a:spcPct val="140000"/>
+              </a:lnSpc>
+            </a:pPr>
+            <a:r>
+              <a:rPr lang="en-US" sz="2000" dirty="0"/>
+              <a:t>Steps to implementing DBSCAN - </a:t>
+            </a:r>
+          </a:p>
+          <a:p>
+            <a:pPr marL="457200" lvl="0" indent="-457200">
+              <a:lnSpc>
+                <a:spcPct val="140000"/>
+              </a:lnSpc>
+              <a:buAutoNum type="arabicParenR"/>
+            </a:pPr>
+            <a:endParaRPr lang="en-US" sz="2000" dirty="0"/>
+          </a:p>
+          <a:p>
+            <a:pPr marL="457200" lvl="0" indent="-457200">
+              <a:lnSpc>
+                <a:spcPct val="140000"/>
+              </a:lnSpc>
+              <a:buAutoNum type="arabicParenR"/>
+            </a:pPr>
+            <a:r>
+              <a:rPr lang="en-US" sz="2000" dirty="0"/>
+              <a:t>Given </a:t>
+            </a:r>
+            <a:r>
+              <a:rPr lang="en-US" sz="2000" b="1" dirty="0"/>
+              <a:t>n</a:t>
+            </a:r>
+            <a:r>
+              <a:rPr lang="en-US" sz="2000" dirty="0"/>
+              <a:t> unvisited sample data points, move through each point in a loop and mark as visited.</a:t>
+            </a:r>
+          </a:p>
+          <a:p>
+            <a:pPr marL="457200" lvl="0" indent="-457200">
+              <a:lnSpc>
+                <a:spcPct val="140000"/>
+              </a:lnSpc>
+              <a:buAutoNum type="arabicParenR"/>
+            </a:pPr>
+            <a:r>
+              <a:rPr lang="en-US" sz="2000" dirty="0"/>
+              <a:t>From each point look at the distance to every other point in the data set. </a:t>
+            </a:r>
+          </a:p>
+          <a:p>
+            <a:pPr marL="457200" lvl="0" indent="-457200">
+              <a:lnSpc>
+                <a:spcPct val="140000"/>
+              </a:lnSpc>
+              <a:buAutoNum type="arabicParenR"/>
+            </a:pPr>
+            <a:r>
+              <a:rPr lang="en-US" sz="2000" dirty="0"/>
+              <a:t>For all points that fall within the neighborhood radius hyperparameter, connect them as neighbors.</a:t>
+            </a:r>
+          </a:p>
+          <a:p>
+            <a:pPr marL="457200" lvl="0" indent="-457200">
+              <a:lnSpc>
+                <a:spcPct val="140000"/>
+              </a:lnSpc>
+              <a:buAutoNum type="arabicParenR"/>
+            </a:pPr>
+            <a:r>
+              <a:rPr lang="en-US" sz="2000" dirty="0"/>
+              <a:t>Check to see if the number of neighbors is at least as many as minimum points required. </a:t>
+            </a:r>
+          </a:p>
+          <a:p>
+            <a:pPr marL="457200" lvl="0" indent="-457200">
+              <a:lnSpc>
+                <a:spcPct val="140000"/>
+              </a:lnSpc>
+              <a:buAutoNum type="arabicParenR"/>
+            </a:pPr>
+            <a:r>
+              <a:rPr lang="en-US" sz="2000" dirty="0"/>
+              <a:t>If minimum point threshold reached, group together as a cluster. If not, mark point as noise. </a:t>
+            </a:r>
+          </a:p>
+          <a:p>
+            <a:pPr marL="457200" lvl="0" indent="-457200">
+              <a:lnSpc>
+                <a:spcPct val="140000"/>
+              </a:lnSpc>
+              <a:buAutoNum type="arabicParenR"/>
+            </a:pPr>
+            <a:r>
+              <a:rPr lang="en-US" sz="2000" dirty="0"/>
+              <a:t>Repeat until all data points are categorized in clusters or as noise.</a:t>
+            </a:r>
+          </a:p>
+          <a:p>
+            <a:pPr lvl="0">
+              <a:lnSpc>
+                <a:spcPct val="140000"/>
+              </a:lnSpc>
+            </a:pPr>
+            <a:endParaRPr lang="en-US" sz="2000" dirty="0"/>
+          </a:p>
           <a:p>
             <a:pPr lvl="0">
               <a:lnSpc>
@@ -11392,16 +11883,8 @@
           <a:p>
             <a:pPr lvl="0"/>
             <a:r>
-              <a:rPr lang="en-IN" sz="3600" b="0" i="0" u="none" strike="noStrike" cap="none" dirty="0">
-                <a:solidFill>
-                  <a:srgbClr val="000000"/>
-                </a:solidFill>
-                <a:latin typeface="Calibri"/>
-                <a:ea typeface="Calibri"/>
-                <a:cs typeface="Calibri"/>
-                <a:sym typeface="Calibri"/>
-              </a:rPr>
-              <a:t>Activity 1: Identifying the Cluster in Data</a:t>
+              <a:rPr lang="en-US" sz="3600" dirty="0"/>
+              <a:t>DBSCAN: In Depth Example</a:t>
             </a:r>
             <a:endParaRPr sz="3600" b="0" i="0" u="none" strike="noStrike" cap="none" dirty="0">
               <a:solidFill>
@@ -11423,8 +11906,8 @@
         </p:nvSpPr>
         <p:spPr>
           <a:xfrm>
-            <a:off x="648000" y="1700640"/>
-            <a:ext cx="10079640" cy="4320000"/>
+            <a:off x="647999" y="1700640"/>
+            <a:ext cx="6681715" cy="4320000"/>
           </a:xfrm>
           <a:prstGeom prst="rect">
             <a:avLst/>
@@ -11439,6 +11922,73 @@
             <a:noAutofit/>
           </a:bodyPr>
           <a:lstStyle/>
+          <a:p>
+            <a:pPr lvl="0">
+              <a:lnSpc>
+                <a:spcPct val="140000"/>
+              </a:lnSpc>
+            </a:pPr>
+            <a:r>
+              <a:rPr lang="en-US" sz="2000" dirty="0"/>
+              <a:t>Given 4 sample data points, view each point as its own cluster.</a:t>
+            </a:r>
+          </a:p>
+          <a:p>
+            <a:pPr lvl="0">
+              <a:lnSpc>
+                <a:spcPct val="140000"/>
+              </a:lnSpc>
+            </a:pPr>
+            <a:endParaRPr lang="en-US" sz="2000" dirty="0"/>
+          </a:p>
+          <a:p>
+            <a:pPr lvl="0">
+              <a:lnSpc>
+                <a:spcPct val="140000"/>
+              </a:lnSpc>
+            </a:pPr>
+            <a:r>
+              <a:rPr lang="en-US" sz="2000" dirty="0"/>
+              <a:t>[ (1,7) ], [ (-8,6) ], [ (-9,4) ] , [ (4, -2) ]</a:t>
+            </a:r>
+          </a:p>
+          <a:p>
+            <a:pPr lvl="0">
+              <a:lnSpc>
+                <a:spcPct val="140000"/>
+              </a:lnSpc>
+            </a:pPr>
+            <a:endParaRPr lang="en-US" sz="2000" dirty="0"/>
+          </a:p>
+          <a:p>
+            <a:pPr lvl="0">
+              <a:lnSpc>
+                <a:spcPct val="140000"/>
+              </a:lnSpc>
+            </a:pPr>
+            <a:r>
+              <a:rPr lang="en-US" sz="2000" dirty="0"/>
+              <a:t>Calculate pairwise Euclidean distance between each of the points.</a:t>
+            </a:r>
+          </a:p>
+          <a:p>
+            <a:pPr marL="342900" lvl="6" indent="-342900">
+              <a:lnSpc>
+                <a:spcPct val="140000"/>
+              </a:lnSpc>
+              <a:buFontTx/>
+              <a:buChar char="-"/>
+            </a:pPr>
+            <a:endParaRPr lang="en-US" sz="2000" dirty="0"/>
+          </a:p>
+          <a:p>
+            <a:pPr lvl="0">
+              <a:lnSpc>
+                <a:spcPct val="140000"/>
+              </a:lnSpc>
+            </a:pPr>
+            <a:endParaRPr lang="en-US" sz="2000" dirty="0"/>
+          </a:p>
           <a:p>
             <a:pPr lvl="0">
               <a:lnSpc>
@@ -11509,10 +12059,66 @@
           </a:p>
         </p:txBody>
       </p:sp>
+      <p:pic>
+        <p:nvPicPr>
+          <p:cNvPr id="5" name="Picture 4">
+            <a:extLst>
+              <a:ext uri="{FF2B5EF4-FFF2-40B4-BE49-F238E27FC236}">
+                <a16:creationId xmlns:a16="http://schemas.microsoft.com/office/drawing/2014/main" id="{B9106752-C1DE-8B4D-8185-45EB48303AF0}"/>
+              </a:ext>
+            </a:extLst>
+          </p:cNvPr>
+          <p:cNvPicPr/>
+          <p:nvPr/>
+        </p:nvPicPr>
+        <p:blipFill>
+          <a:blip r:embed="rId3"/>
+          <a:stretch>
+            <a:fillRect/>
+          </a:stretch>
+        </p:blipFill>
+        <p:spPr>
+          <a:xfrm>
+            <a:off x="647999" y="4974097"/>
+            <a:ext cx="6478515" cy="1179383"/>
+          </a:xfrm>
+          <a:prstGeom prst="rect">
+            <a:avLst/>
+          </a:prstGeom>
+        </p:spPr>
+      </p:pic>
+      <p:pic>
+        <p:nvPicPr>
+          <p:cNvPr id="6" name="Picture 5">
+            <a:extLst>
+              <a:ext uri="{FF2B5EF4-FFF2-40B4-BE49-F238E27FC236}">
+                <a16:creationId xmlns:a16="http://schemas.microsoft.com/office/drawing/2014/main" id="{CAB5A29A-2F46-6240-AAFC-7846660D832E}"/>
+              </a:ext>
+            </a:extLst>
+          </p:cNvPr>
+          <p:cNvPicPr/>
+          <p:nvPr/>
+        </p:nvPicPr>
+        <p:blipFill>
+          <a:blip r:embed="rId4"/>
+          <a:stretch>
+            <a:fillRect/>
+          </a:stretch>
+        </p:blipFill>
+        <p:spPr>
+          <a:xfrm>
+            <a:off x="7328167" y="2243573"/>
+            <a:ext cx="4863833" cy="3234133"/>
+          </a:xfrm>
+          <a:prstGeom prst="rect">
+            <a:avLst/>
+          </a:prstGeom>
+        </p:spPr>
+      </p:pic>
     </p:spTree>
     <p:extLst>
       <p:ext uri="{BB962C8B-B14F-4D97-AF65-F5344CB8AC3E}">
-        <p14:creationId xmlns:p14="http://schemas.microsoft.com/office/powerpoint/2010/main" val="2808192330"/>
+        <p14:creationId xmlns:p14="http://schemas.microsoft.com/office/powerpoint/2010/main" val="178707253"/>
       </p:ext>
     </p:extLst>
   </p:cSld>
@@ -11564,26 +12170,10 @@
           </a:bodyPr>
           <a:lstStyle/>
           <a:p>
-            <a:pPr marL="0" marR="0" lvl="0" indent="0" algn="l" rtl="0">
-              <a:lnSpc>
-                <a:spcPct val="100000"/>
-              </a:lnSpc>
-              <a:spcBef>
-                <a:spcPts val="0"/>
-              </a:spcBef>
-              <a:spcAft>
-                <a:spcPts val="0"/>
-              </a:spcAft>
-              <a:buNone/>
-            </a:pPr>
-            <a:r>
-              <a:rPr lang="en-US" sz="3600" dirty="0">
-                <a:solidFill>
-                  <a:srgbClr val="2C2C2C"/>
-                </a:solidFill>
-                <a:ea typeface="Calibri"/>
-              </a:rPr>
-              <a:t>Discuss</a:t>
+            <a:pPr lvl="0"/>
+            <a:r>
+              <a:rPr lang="en-US" sz="3600" dirty="0"/>
+              <a:t>DBSCAN: In Depth Example</a:t>
             </a:r>
             <a:endParaRPr sz="3600" b="0" i="0" u="none" strike="noStrike" cap="none" dirty="0">
               <a:solidFill>
@@ -11605,8 +12195,8 @@
         </p:nvSpPr>
         <p:spPr>
           <a:xfrm>
-            <a:off x="648000" y="1700640"/>
-            <a:ext cx="10079640" cy="4320000"/>
+            <a:off x="647999" y="1700640"/>
+            <a:ext cx="11051641" cy="4320000"/>
           </a:xfrm>
           <a:prstGeom prst="rect">
             <a:avLst/>
@@ -11622,11 +12212,172 @@
           </a:bodyPr>
           <a:lstStyle/>
           <a:p>
+            <a:pPr lvl="0">
+              <a:lnSpc>
+                <a:spcPct val="140000"/>
+              </a:lnSpc>
+            </a:pPr>
             <a:r>
               <a:rPr lang="en-US" sz="2000" dirty="0"/>
-              <a:t>How did you derive clusters in the following image?</a:t>
-            </a:r>
-            <a:endParaRPr lang="en-IN" sz="2000" dirty="0"/>
+              <a:t>Original Points Reference: [ (1,7) ], [ </a:t>
+            </a:r>
+            <a:r>
+              <a:rPr lang="en-US" sz="2000" b="1" dirty="0"/>
+              <a:t>(-8,6) </a:t>
+            </a:r>
+            <a:r>
+              <a:rPr lang="en-US" sz="2000" dirty="0"/>
+              <a:t>], [ </a:t>
+            </a:r>
+            <a:r>
+              <a:rPr lang="en-US" sz="2000" b="1" dirty="0"/>
+              <a:t>(-9,4) </a:t>
+            </a:r>
+            <a:r>
+              <a:rPr lang="en-US" sz="2000" dirty="0"/>
+              <a:t>] , [ (4, -2) ]</a:t>
+            </a:r>
+          </a:p>
+          <a:p>
+            <a:pPr lvl="6">
+              <a:lnSpc>
+                <a:spcPct val="140000"/>
+              </a:lnSpc>
+            </a:pPr>
+            <a:endParaRPr lang="en-US" sz="2000" dirty="0"/>
+          </a:p>
+          <a:p>
+            <a:pPr lvl="6">
+              <a:lnSpc>
+                <a:spcPct val="140000"/>
+              </a:lnSpc>
+            </a:pPr>
+            <a:r>
+              <a:rPr lang="en-US" sz="2000" dirty="0"/>
+              <a:t>From each point expand out a neighborhood size and form clusters.</a:t>
+            </a:r>
+          </a:p>
+          <a:p>
+            <a:pPr marL="342900" lvl="6" indent="-342900">
+              <a:lnSpc>
+                <a:spcPct val="140000"/>
+              </a:lnSpc>
+              <a:buFontTx/>
+              <a:buChar char="-"/>
+            </a:pPr>
+            <a:r>
+              <a:rPr lang="en-US" sz="2000" dirty="0"/>
+              <a:t>For the purpose of this example, lets imagine we passed through a neighborhood radius of 3. </a:t>
+            </a:r>
+          </a:p>
+          <a:p>
+            <a:pPr marL="342900" lvl="8" indent="-342900">
+              <a:lnSpc>
+                <a:spcPct val="140000"/>
+              </a:lnSpc>
+              <a:buFontTx/>
+              <a:buChar char="-"/>
+            </a:pPr>
+            <a:r>
+              <a:rPr lang="en-US" sz="2000" dirty="0"/>
+              <a:t>This means that any two points will be neighbors if the distance between them is less than 3.</a:t>
+            </a:r>
+          </a:p>
+          <a:p>
+            <a:pPr marL="342900" lvl="6" indent="-342900">
+              <a:lnSpc>
+                <a:spcPct val="140000"/>
+              </a:lnSpc>
+              <a:buFontTx/>
+              <a:buChar char="-"/>
+            </a:pPr>
+            <a:r>
+              <a:rPr lang="en-US" sz="2000" dirty="0"/>
+              <a:t>Points (-8,6) and (-9,4) are now candidates for clustering.</a:t>
+            </a:r>
+          </a:p>
+          <a:p>
+            <a:pPr lvl="6">
+              <a:lnSpc>
+                <a:spcPct val="140000"/>
+              </a:lnSpc>
+            </a:pPr>
+            <a:endParaRPr lang="en-US" sz="2000" dirty="0"/>
+          </a:p>
+          <a:p>
+            <a:pPr lvl="6">
+              <a:lnSpc>
+                <a:spcPct val="140000"/>
+              </a:lnSpc>
+            </a:pPr>
+            <a:r>
+              <a:rPr lang="en-US" sz="2000" dirty="0"/>
+              <a:t>Points that have no neighbors are marked as noise and remain un-clustered.</a:t>
+            </a:r>
+          </a:p>
+          <a:p>
+            <a:pPr marL="342900" lvl="6" indent="-342900">
+              <a:lnSpc>
+                <a:spcPct val="140000"/>
+              </a:lnSpc>
+              <a:buFontTx/>
+              <a:buChar char="-"/>
+            </a:pPr>
+            <a:r>
+              <a:rPr lang="en-US" sz="2000" dirty="0"/>
+              <a:t>Points (1,7) and (4,-2) fall out of our frame of interest as useless in terms of clustering.</a:t>
+            </a:r>
+          </a:p>
+          <a:p>
+            <a:pPr marL="342900" lvl="6" indent="-342900">
+              <a:lnSpc>
+                <a:spcPct val="140000"/>
+              </a:lnSpc>
+              <a:buFontTx/>
+              <a:buChar char="-"/>
+            </a:pPr>
+            <a:endParaRPr lang="en-US" sz="2000" dirty="0"/>
+          </a:p>
+          <a:p>
+            <a:pPr marL="342900" lvl="6" indent="-342900">
+              <a:lnSpc>
+                <a:spcPct val="140000"/>
+              </a:lnSpc>
+              <a:buFontTx/>
+              <a:buChar char="-"/>
+            </a:pPr>
+            <a:endParaRPr lang="en-US" sz="2000" dirty="0"/>
+          </a:p>
+          <a:p>
+            <a:pPr marL="342900" lvl="6" indent="-342900">
+              <a:lnSpc>
+                <a:spcPct val="140000"/>
+              </a:lnSpc>
+              <a:buFontTx/>
+              <a:buChar char="-"/>
+            </a:pPr>
+            <a:endParaRPr lang="en-US" sz="2000" dirty="0"/>
+          </a:p>
+          <a:p>
+            <a:pPr lvl="0">
+              <a:lnSpc>
+                <a:spcPct val="140000"/>
+              </a:lnSpc>
+            </a:pPr>
+            <a:endParaRPr lang="en-US" sz="2000" dirty="0"/>
+          </a:p>
+          <a:p>
+            <a:pPr lvl="0">
+              <a:lnSpc>
+                <a:spcPct val="140000"/>
+              </a:lnSpc>
+            </a:pPr>
+            <a:endParaRPr sz="2000" b="0" i="0" u="none" strike="noStrike" cap="none" dirty="0">
+              <a:latin typeface="Arial"/>
+              <a:ea typeface="Arial"/>
+              <a:cs typeface="Arial"/>
+              <a:sym typeface="Arial"/>
+            </a:endParaRPr>
           </a:p>
         </p:txBody>
       </p:sp>
@@ -11667,19 +12418,16 @@
               </a:spcAft>
               <a:buNone/>
             </a:pPr>
-            <a:fld id="{00000000-1234-1234-1234-123412341234}" type="slidenum">
-              <a:rPr lang="en-US" sz="1200" b="1" i="0" u="none" strike="noStrike" cap="none">
+            <a:r>
+              <a:rPr lang="en-US" sz="1200" b="1" dirty="0">
                 <a:solidFill>
                   <a:srgbClr val="2C2C2C"/>
                 </a:solidFill>
-                <a:latin typeface="Arial"/>
-                <a:ea typeface="Arial"/>
-                <a:cs typeface="Arial"/>
-                <a:sym typeface="Arial"/>
+                <a:ea typeface="Times New Roman"/>
               </a:rPr>
-              <a:t>13</a:t>
-            </a:fld>
-            <a:endParaRPr sz="1200" b="0" i="0" u="none" strike="noStrike" cap="none">
+              <a:t>6</a:t>
+            </a:r>
+            <a:endParaRPr sz="1200" b="0" i="0" u="none" strike="noStrike" cap="none" dirty="0">
               <a:latin typeface="Times New Roman"/>
               <a:ea typeface="Times New Roman"/>
               <a:cs typeface="Times New Roman"/>
@@ -11691,7 +12439,7 @@
     </p:spTree>
     <p:extLst>
       <p:ext uri="{BB962C8B-B14F-4D97-AF65-F5344CB8AC3E}">
-        <p14:creationId xmlns:p14="http://schemas.microsoft.com/office/powerpoint/2010/main" val="2385500906"/>
+        <p14:creationId xmlns:p14="http://schemas.microsoft.com/office/powerpoint/2010/main" val="1424554478"/>
       </p:ext>
     </p:extLst>
   </p:cSld>
@@ -11746,7 +12494,7 @@
             <a:pPr lvl="0"/>
             <a:r>
               <a:rPr lang="en-US" sz="3600" dirty="0"/>
-              <a:t>Introduction to K-Means Clustering</a:t>
+              <a:t>DBSCAN: In Depth Example</a:t>
             </a:r>
             <a:endParaRPr sz="3600" b="0" i="0" u="none" strike="noStrike" cap="none" dirty="0">
               <a:solidFill>
@@ -11768,8 +12516,8 @@
         </p:nvSpPr>
         <p:spPr>
           <a:xfrm>
-            <a:off x="648000" y="1700640"/>
-            <a:ext cx="10079640" cy="4320000"/>
+            <a:off x="647999" y="1700640"/>
+            <a:ext cx="11051641" cy="4320000"/>
           </a:xfrm>
           <a:prstGeom prst="rect">
             <a:avLst/>
@@ -11784,6 +12532,105 @@
             <a:noAutofit/>
           </a:bodyPr>
           <a:lstStyle/>
+          <a:p>
+            <a:pPr lvl="0">
+              <a:lnSpc>
+                <a:spcPct val="140000"/>
+              </a:lnSpc>
+            </a:pPr>
+            <a:r>
+              <a:rPr lang="en-US" sz="2000" dirty="0"/>
+              <a:t>Original Points Reference: [ (1,7) ], [ </a:t>
+            </a:r>
+            <a:r>
+              <a:rPr lang="en-US" sz="2000" b="1" dirty="0">
+                <a:solidFill>
+                  <a:srgbClr val="00B050"/>
+                </a:solidFill>
+              </a:rPr>
+              <a:t>(-8,6) </a:t>
+            </a:r>
+            <a:r>
+              <a:rPr lang="en-US" sz="2000" dirty="0"/>
+              <a:t>], [ </a:t>
+            </a:r>
+            <a:r>
+              <a:rPr lang="en-US" sz="2000" b="1" dirty="0">
+                <a:solidFill>
+                  <a:srgbClr val="00B050"/>
+                </a:solidFill>
+              </a:rPr>
+              <a:t>(-9,4) </a:t>
+            </a:r>
+            <a:r>
+              <a:rPr lang="en-US" sz="2000" dirty="0"/>
+              <a:t>] , [ (4, -2) ]</a:t>
+            </a:r>
+          </a:p>
+          <a:p>
+            <a:pPr lvl="0">
+              <a:lnSpc>
+                <a:spcPct val="140000"/>
+              </a:lnSpc>
+            </a:pPr>
+            <a:endParaRPr lang="en-US" sz="2000" dirty="0"/>
+          </a:p>
+          <a:p>
+            <a:pPr lvl="0">
+              <a:lnSpc>
+                <a:spcPct val="140000"/>
+              </a:lnSpc>
+            </a:pPr>
+            <a:r>
+              <a:rPr lang="en-US" sz="2000" dirty="0"/>
+              <a:t>Points that have neighbors are then evaluated to see whether they pass the minimum points threshold</a:t>
+            </a:r>
+          </a:p>
+          <a:p>
+            <a:pPr marL="342900" lvl="0" indent="-342900">
+              <a:lnSpc>
+                <a:spcPct val="140000"/>
+              </a:lnSpc>
+              <a:buFontTx/>
+              <a:buChar char="-"/>
+            </a:pPr>
+            <a:r>
+              <a:rPr lang="en-US" sz="2000" dirty="0"/>
+              <a:t>In this example, if we had passed through a minimum points threshold of 2 then points (-8,6) and (-9,4) can formally be grouped together as a cluster. </a:t>
+            </a:r>
+          </a:p>
+          <a:p>
+            <a:pPr marL="342900" lvl="0" indent="-342900">
+              <a:lnSpc>
+                <a:spcPct val="140000"/>
+              </a:lnSpc>
+              <a:buFontTx/>
+              <a:buChar char="-"/>
+            </a:pPr>
+            <a:r>
+              <a:rPr lang="en-US" sz="2000" dirty="0"/>
+              <a:t>If we had a minimum points threshold of 3, then all 4 data points in this set would be considered superfluous noise.</a:t>
+            </a:r>
+          </a:p>
+          <a:p>
+            <a:pPr lvl="0">
+              <a:lnSpc>
+                <a:spcPct val="140000"/>
+              </a:lnSpc>
+            </a:pPr>
+            <a:endParaRPr lang="en-US" sz="2000" dirty="0"/>
+          </a:p>
+          <a:p>
+            <a:pPr lvl="0">
+              <a:lnSpc>
+                <a:spcPct val="140000"/>
+              </a:lnSpc>
+            </a:pPr>
+            <a:r>
+              <a:rPr lang="en-US" sz="2000" dirty="0"/>
+              <a:t>Repeat this process on remaining un-visited data points.</a:t>
+            </a:r>
+          </a:p>
           <a:p>
             <a:pPr lvl="0">
               <a:lnSpc>
@@ -11857,7 +12704,7 @@
     </p:spTree>
     <p:extLst>
       <p:ext uri="{BB962C8B-B14F-4D97-AF65-F5344CB8AC3E}">
-        <p14:creationId xmlns:p14="http://schemas.microsoft.com/office/powerpoint/2010/main" val="2680767836"/>
+        <p14:creationId xmlns:p14="http://schemas.microsoft.com/office/powerpoint/2010/main" val="2732132642"/>
       </p:ext>
     </p:extLst>
   </p:cSld>
@@ -11912,7 +12759,7 @@
             <a:pPr lvl="0"/>
             <a:r>
               <a:rPr lang="en-US" sz="3600" dirty="0"/>
-              <a:t>No-Math K-Means Walkthrough</a:t>
+              <a:t>Exercise 1: Evaluating the Impact of Neighborhood Radius Size </a:t>
             </a:r>
             <a:endParaRPr sz="3600" b="0" i="0" u="none" strike="noStrike" cap="none" dirty="0">
               <a:solidFill>
@@ -11956,7 +12803,104 @@
                 <a:spcPct val="140000"/>
               </a:lnSpc>
             </a:pPr>
-            <a:endParaRPr sz="2000" b="0" i="0" u="none" strike="noStrike" cap="none" dirty="0">
+            <a:r>
+              <a:rPr lang="en-US" sz="2000" b="1" i="0" u="none" strike="noStrike" cap="none" dirty="0">
+                <a:latin typeface="Arial"/>
+                <a:ea typeface="Arial"/>
+                <a:cs typeface="Arial"/>
+                <a:sym typeface="Arial"/>
+              </a:rPr>
+              <a:t>Scenario: </a:t>
+            </a:r>
+            <a:r>
+              <a:rPr lang="en-US" sz="2000" i="0" u="none" strike="noStrike" cap="none" dirty="0">
+                <a:latin typeface="Arial"/>
+                <a:ea typeface="Arial"/>
+                <a:cs typeface="Arial"/>
+                <a:sym typeface="Arial"/>
+              </a:rPr>
+              <a:t>For any given data set you will need to tailor the hyperparameters of DBSCAN to fit the problem appropriately. Evaluate how small </a:t>
+            </a:r>
+            <a:r>
+              <a:rPr lang="en-US" sz="2000" dirty="0"/>
+              <a:t>differences in neighborhood radius size can drastically affect the output of your DBSCAN clustering algorithm.</a:t>
+            </a:r>
+          </a:p>
+          <a:p>
+            <a:pPr lvl="0">
+              <a:lnSpc>
+                <a:spcPct val="140000"/>
+              </a:lnSpc>
+            </a:pPr>
+            <a:endParaRPr lang="en-US" sz="2000" b="1" i="0" u="none" strike="noStrike" cap="none" dirty="0">
+              <a:latin typeface="Arial"/>
+              <a:ea typeface="Arial"/>
+              <a:cs typeface="Arial"/>
+              <a:sym typeface="Arial"/>
+            </a:endParaRPr>
+          </a:p>
+          <a:p>
+            <a:pPr marL="342900" lvl="0" indent="-342900">
+              <a:lnSpc>
+                <a:spcPct val="140000"/>
+              </a:lnSpc>
+              <a:buFontTx/>
+              <a:buChar char="-"/>
+            </a:pPr>
+            <a:r>
+              <a:rPr lang="en-US" sz="2000" i="0" u="none" strike="noStrike" cap="none" dirty="0">
+                <a:latin typeface="Arial"/>
+                <a:ea typeface="Arial"/>
+                <a:cs typeface="Arial"/>
+                <a:sym typeface="Arial"/>
+              </a:rPr>
+              <a:t>Use Sci-Kit Learn DBSCAN implementation for thi</a:t>
+            </a:r>
+            <a:r>
+              <a:rPr lang="en-US" sz="2000" dirty="0"/>
+              <a:t>s exercise. You will build your own DBSCAN from scratch for Activity 1. </a:t>
+            </a:r>
+          </a:p>
+          <a:p>
+            <a:pPr marL="342900" lvl="0" indent="-342900">
+              <a:lnSpc>
+                <a:spcPct val="140000"/>
+              </a:lnSpc>
+              <a:buFontTx/>
+              <a:buChar char="-"/>
+            </a:pPr>
+            <a:r>
+              <a:rPr lang="en-US" sz="2000" i="0" u="none" strike="noStrike" cap="none" dirty="0">
+                <a:latin typeface="Arial"/>
+                <a:ea typeface="Arial"/>
+                <a:cs typeface="Arial"/>
+                <a:sym typeface="Arial"/>
+              </a:rPr>
+              <a:t>Read </a:t>
+            </a:r>
+            <a:r>
+              <a:rPr lang="en-US" sz="2000" dirty="0"/>
+              <a:t>DBSCAN documentation to learn what field corresponds to Neighborhood Size</a:t>
+            </a:r>
+          </a:p>
+          <a:p>
+            <a:pPr marL="342900" lvl="0" indent="-342900">
+              <a:lnSpc>
+                <a:spcPct val="140000"/>
+              </a:lnSpc>
+              <a:buFontTx/>
+              <a:buChar char="-"/>
+            </a:pPr>
+            <a:r>
+              <a:rPr lang="en-US" sz="2000" i="0" u="none" strike="noStrike" cap="none" dirty="0">
+                <a:latin typeface="Arial"/>
+                <a:ea typeface="Arial"/>
+                <a:cs typeface="Arial"/>
+                <a:sym typeface="Arial"/>
+              </a:rPr>
+              <a:t>Keep Minimum Points threshold constant for this exercise.</a:t>
+            </a:r>
+            <a:endParaRPr sz="2000" i="0" u="none" strike="noStrike" cap="none" dirty="0">
               <a:latin typeface="Arial"/>
               <a:ea typeface="Arial"/>
               <a:cs typeface="Arial"/>
@@ -12023,7 +12967,7 @@
     </p:spTree>
     <p:extLst>
       <p:ext uri="{BB962C8B-B14F-4D97-AF65-F5344CB8AC3E}">
-        <p14:creationId xmlns:p14="http://schemas.microsoft.com/office/powerpoint/2010/main" val="329437546"/>
+        <p14:creationId xmlns:p14="http://schemas.microsoft.com/office/powerpoint/2010/main" val="1990493087"/>
       </p:ext>
     </p:extLst>
   </p:cSld>
@@ -12135,7 +13079,16 @@
           <a:p>
             <a:r>
               <a:rPr lang="en-US" sz="2000" dirty="0"/>
-              <a:t>What is a centroid?</a:t>
+              <a:t>Was modifying the neighborhood radius size impactful in changing the final cluster label outputs for your data set?</a:t>
+            </a:r>
+          </a:p>
+          <a:p>
+            <a:endParaRPr lang="en-US" sz="2000" dirty="0"/>
+          </a:p>
+          <a:p>
+            <a:r>
+              <a:rPr lang="en-US" sz="2000" dirty="0"/>
+              <a:t>What were the ideal hyperparameters for your data set? </a:t>
             </a:r>
             <a:endParaRPr lang="en-IN" sz="2000" dirty="0"/>
           </a:p>
@@ -12202,7 +13155,7 @@
     </p:spTree>
     <p:extLst>
       <p:ext uri="{BB962C8B-B14F-4D97-AF65-F5344CB8AC3E}">
-        <p14:creationId xmlns:p14="http://schemas.microsoft.com/office/powerpoint/2010/main" val="3818481564"/>
+        <p14:creationId xmlns:p14="http://schemas.microsoft.com/office/powerpoint/2010/main" val="1827553920"/>
       </p:ext>
     </p:extLst>
   </p:cSld>
@@ -12256,14 +13209,46 @@
           <a:p>
             <a:pPr lvl="0"/>
             <a:r>
-              <a:rPr lang="en-US" sz="3600" dirty="0"/>
-              <a:t>K-Means Clustering In-Depth Walkthrough</a:t>
+              <a:rPr lang="en-IN" sz="3600" b="0" i="0" u="none" strike="noStrike" cap="none" dirty="0">
+                <a:solidFill>
+                  <a:srgbClr val="000000"/>
+                </a:solidFill>
+                <a:latin typeface="+mj-lt"/>
+                <a:ea typeface="Calibri"/>
+                <a:cs typeface="Calibri"/>
+                <a:sym typeface="Calibri"/>
+              </a:rPr>
+              <a:t>DBSCAN Attributes: </a:t>
+            </a:r>
+            <a:r>
+              <a:rPr lang="en-IN" sz="3600" b="0" i="0" u="none" strike="noStrike" cap="none" dirty="0" err="1">
+                <a:solidFill>
+                  <a:srgbClr val="000000"/>
+                </a:solidFill>
+                <a:latin typeface="+mj-lt"/>
+                <a:ea typeface="Calibri"/>
+                <a:cs typeface="Calibri"/>
+                <a:sym typeface="Calibri"/>
+              </a:rPr>
+              <a:t>Neighborhood</a:t>
+            </a:r>
+            <a:r>
+              <a:rPr lang="en-IN" sz="3600" b="0" i="0" u="none" strike="noStrike" cap="none" dirty="0">
+                <a:solidFill>
+                  <a:srgbClr val="000000"/>
+                </a:solidFill>
+                <a:latin typeface="+mj-lt"/>
+                <a:ea typeface="Calibri"/>
+                <a:cs typeface="Calibri"/>
+                <a:sym typeface="Calibri"/>
+              </a:rPr>
+              <a:t> Radius</a:t>
             </a:r>
             <a:endParaRPr sz="3600" b="0" i="0" u="none" strike="noStrike" cap="none" dirty="0">
               <a:solidFill>
                 <a:srgbClr val="000000"/>
               </a:solidFill>
-              <a:latin typeface="Calibri"/>
+              <a:latin typeface="+mj-lt"/>
               <a:ea typeface="Calibri"/>
               <a:cs typeface="Calibri"/>
               <a:sym typeface="Calibri"/>
@@ -12280,7 +13265,7 @@
         <p:spPr>
           <a:xfrm>
             <a:off x="648000" y="1700640"/>
-            <a:ext cx="10079640" cy="4320000"/>
+            <a:ext cx="5564114" cy="4320000"/>
           </a:xfrm>
           <a:prstGeom prst="rect">
             <a:avLst/>
@@ -12301,12 +13286,83 @@
                 <a:spcPct val="140000"/>
               </a:lnSpc>
             </a:pPr>
-            <a:endParaRPr sz="2000" b="0" i="0" u="none" strike="noStrike" cap="none" dirty="0">
+            <a:r>
+              <a:rPr lang="en-US" sz="2000" b="0" i="0" u="none" strike="noStrike" cap="none" dirty="0">
+                <a:latin typeface="Arial"/>
+                <a:ea typeface="Arial"/>
+                <a:cs typeface="Arial"/>
+                <a:sym typeface="Arial"/>
+              </a:rPr>
+              <a:t>Neighborhood radius is often tied to the ‘eps’ field in DBSCAN implementations. </a:t>
+            </a:r>
+            <a:endParaRPr lang="en-US" sz="2000" dirty="0"/>
+          </a:p>
+          <a:p>
+            <a:pPr lvl="0">
+              <a:lnSpc>
+                <a:spcPct val="140000"/>
+              </a:lnSpc>
+            </a:pPr>
+            <a:endParaRPr lang="en-US" sz="2000" dirty="0"/>
+          </a:p>
+          <a:p>
+            <a:pPr lvl="0">
+              <a:lnSpc>
+                <a:spcPct val="140000"/>
+              </a:lnSpc>
+            </a:pPr>
+            <a:r>
+              <a:rPr lang="en-US" sz="2000" dirty="0"/>
+              <a:t>Radius size dictates how large of an area is searched around a given point to find neighbors</a:t>
+            </a:r>
+          </a:p>
+          <a:p>
+            <a:pPr lvl="0">
+              <a:lnSpc>
+                <a:spcPct val="140000"/>
+              </a:lnSpc>
+            </a:pPr>
+            <a:endParaRPr lang="en-US" sz="2000" b="0" i="0" u="none" strike="noStrike" cap="none" dirty="0">
               <a:latin typeface="Arial"/>
               <a:ea typeface="Arial"/>
               <a:cs typeface="Arial"/>
               <a:sym typeface="Arial"/>
             </a:endParaRPr>
+          </a:p>
+          <a:p>
+            <a:pPr lvl="0">
+              <a:lnSpc>
+                <a:spcPct val="140000"/>
+              </a:lnSpc>
+            </a:pPr>
+            <a:r>
+              <a:rPr lang="en-US" sz="2000" dirty="0"/>
+              <a:t>A smaller radius size means fewer neighbors, a larger one means more options to choose from.</a:t>
+            </a:r>
+          </a:p>
+          <a:p>
+            <a:pPr lvl="0">
+              <a:lnSpc>
+                <a:spcPct val="140000"/>
+              </a:lnSpc>
+            </a:pPr>
+            <a:endParaRPr lang="en-US" sz="2000" b="0" i="0" u="none" strike="noStrike" cap="none" dirty="0">
+              <a:latin typeface="Arial"/>
+              <a:ea typeface="Arial"/>
+              <a:cs typeface="Arial"/>
+              <a:sym typeface="Arial"/>
+            </a:endParaRPr>
+          </a:p>
+          <a:p>
+            <a:pPr lvl="0">
+              <a:lnSpc>
+                <a:spcPct val="140000"/>
+              </a:lnSpc>
+            </a:pPr>
+            <a:r>
+              <a:rPr lang="en-US" sz="2000" dirty="0"/>
+              <a:t>Example to left shows a sample neighborhood search radius in red.</a:t>
+            </a:r>
           </a:p>
         </p:txBody>
       </p:sp>
@@ -12365,10 +13421,38 @@
           </a:p>
         </p:txBody>
       </p:sp>
+      <p:pic>
+        <p:nvPicPr>
+          <p:cNvPr id="5" name="Picture 4">
+            <a:extLst>
+              <a:ext uri="{FF2B5EF4-FFF2-40B4-BE49-F238E27FC236}">
+                <a16:creationId xmlns:a16="http://schemas.microsoft.com/office/drawing/2014/main" id="{ECC6DAA9-B9D4-F24B-9B37-635D8A29C7F3}"/>
+              </a:ext>
+            </a:extLst>
+          </p:cNvPr>
+          <p:cNvPicPr/>
+          <p:nvPr/>
+        </p:nvPicPr>
+        <p:blipFill>
+          <a:blip r:embed="rId3"/>
+          <a:stretch>
+            <a:fillRect/>
+          </a:stretch>
+        </p:blipFill>
+        <p:spPr>
+          <a:xfrm>
+            <a:off x="6342281" y="2426720"/>
+            <a:ext cx="5357359" cy="3538120"/>
+          </a:xfrm>
+          <a:prstGeom prst="rect">
+            <a:avLst/>
+          </a:prstGeom>
+        </p:spPr>
+      </p:pic>
     </p:spTree>
     <p:extLst>
       <p:ext uri="{BB962C8B-B14F-4D97-AF65-F5344CB8AC3E}">
-        <p14:creationId xmlns:p14="http://schemas.microsoft.com/office/powerpoint/2010/main" val="471207387"/>
+        <p14:creationId xmlns:p14="http://schemas.microsoft.com/office/powerpoint/2010/main" val="2808192330"/>
       </p:ext>
     </p:extLst>
   </p:cSld>
@@ -12422,14 +13506,22 @@
           <a:p>
             <a:pPr lvl="0"/>
             <a:r>
-              <a:rPr lang="en-US" sz="3600" dirty="0"/>
-              <a:t>Exercise 1: Calculating Euclidean Distance in Python</a:t>
+              <a:rPr lang="en-IN" sz="3600" b="0" i="0" u="none" strike="noStrike" cap="none" dirty="0">
+                <a:solidFill>
+                  <a:srgbClr val="000000"/>
+                </a:solidFill>
+                <a:latin typeface="+mj-lt"/>
+                <a:ea typeface="Calibri"/>
+                <a:cs typeface="Calibri"/>
+                <a:sym typeface="Calibri"/>
+              </a:rPr>
+              <a:t>Activity 1: DBSCAN from Scratch</a:t>
             </a:r>
             <a:endParaRPr sz="3600" b="0" i="0" u="none" strike="noStrike" cap="none" dirty="0">
               <a:solidFill>
                 <a:srgbClr val="000000"/>
               </a:solidFill>
-              <a:latin typeface="Calibri"/>
+              <a:latin typeface="+mj-lt"/>
               <a:ea typeface="Calibri"/>
               <a:cs typeface="Calibri"/>
               <a:sym typeface="Calibri"/>
@@ -12467,6 +13559,86 @@
                 <a:spcPct val="140000"/>
               </a:lnSpc>
             </a:pPr>
+            <a:r>
+              <a:rPr lang="en-US" sz="2000" b="1" dirty="0"/>
+              <a:t>Scenario: </a:t>
+            </a:r>
+            <a:r>
+              <a:rPr lang="en-US" sz="2000" dirty="0"/>
+              <a:t>You are given a data set without prior background information and are requested to find the clusters that fit the data set best. </a:t>
+            </a:r>
+          </a:p>
+          <a:p>
+            <a:pPr lvl="0">
+              <a:lnSpc>
+                <a:spcPct val="140000"/>
+              </a:lnSpc>
+            </a:pPr>
+            <a:endParaRPr lang="en-US" sz="2000" dirty="0"/>
+          </a:p>
+          <a:p>
+            <a:pPr lvl="0">
+              <a:lnSpc>
+                <a:spcPct val="140000"/>
+              </a:lnSpc>
+            </a:pPr>
+            <a:r>
+              <a:rPr lang="en-US" sz="2000" b="1" dirty="0"/>
+              <a:t>Aim: </a:t>
+            </a:r>
+            <a:r>
+              <a:rPr lang="en-US" sz="2000" dirty="0"/>
+              <a:t>Given what you’ve learned about DBSCAN and distance metrics from prior lessons, build an implementation of DBSCAN from scratch in Python. You are free to use NumPy and SciPy to evaluate distances here.</a:t>
+            </a:r>
+          </a:p>
+          <a:p>
+            <a:pPr lvl="0">
+              <a:lnSpc>
+                <a:spcPct val="140000"/>
+              </a:lnSpc>
+            </a:pPr>
+            <a:endParaRPr lang="en-US" sz="2000" dirty="0"/>
+          </a:p>
+          <a:p>
+            <a:pPr marL="342900" lvl="0" indent="-342900">
+              <a:lnSpc>
+                <a:spcPct val="140000"/>
+              </a:lnSpc>
+              <a:buFontTx/>
+              <a:buChar char="-"/>
+            </a:pPr>
+            <a:r>
+              <a:rPr lang="en-US" sz="2000" dirty="0"/>
+              <a:t>You may not use the Sci-Kit Learn implementation or functions here.</a:t>
+            </a:r>
+          </a:p>
+          <a:p>
+            <a:pPr marL="342900" lvl="0" indent="-342900">
+              <a:lnSpc>
+                <a:spcPct val="140000"/>
+              </a:lnSpc>
+              <a:buFontTx/>
+              <a:buChar char="-"/>
+            </a:pPr>
+            <a:r>
+              <a:rPr lang="en-US" sz="2000" dirty="0"/>
+              <a:t>Follow the workflow seen in Slide 11 to implement your DBSCAN approach</a:t>
+            </a:r>
+          </a:p>
+          <a:p>
+            <a:pPr lvl="0">
+              <a:lnSpc>
+                <a:spcPct val="140000"/>
+              </a:lnSpc>
+            </a:pPr>
+            <a:endParaRPr lang="en-US" sz="2000" dirty="0"/>
+          </a:p>
+          <a:p>
+            <a:pPr lvl="0">
+              <a:lnSpc>
+                <a:spcPct val="140000"/>
+              </a:lnSpc>
+            </a:pPr>
             <a:endParaRPr sz="2000" b="0" i="0" u="none" strike="noStrike" cap="none" dirty="0">
               <a:latin typeface="Arial"/>
               <a:ea typeface="Arial"/>
@@ -12534,7 +13706,7 @@
     </p:spTree>
     <p:extLst>
       <p:ext uri="{BB962C8B-B14F-4D97-AF65-F5344CB8AC3E}">
-        <p14:creationId xmlns:p14="http://schemas.microsoft.com/office/powerpoint/2010/main" val="1990493087"/>
+        <p14:creationId xmlns:p14="http://schemas.microsoft.com/office/powerpoint/2010/main" val="2411236030"/>
       </p:ext>
     </p:extLst>
   </p:cSld>
@@ -12588,18 +13760,17 @@
           <a:p>
             <a:pPr lvl="0"/>
             <a:r>
-              <a:rPr lang="en-US" sz="3600" dirty="0"/>
-              <a:t>Exercise 2: Moving Centroids in Python</a:t>
-            </a:r>
-            <a:endParaRPr sz="3600" b="0" i="0" u="none" strike="noStrike" cap="none" dirty="0">
-              <a:solidFill>
-                <a:srgbClr val="000000"/>
-              </a:solidFill>
-              <a:latin typeface="Calibri"/>
-              <a:ea typeface="Calibri"/>
-              <a:cs typeface="Calibri"/>
-              <a:sym typeface="Calibri"/>
-            </a:endParaRPr>
+              <a:rPr lang="en-IN" sz="3600" b="0" i="0" u="none" strike="noStrike" cap="none" dirty="0">
+                <a:solidFill>
+                  <a:srgbClr val="000000"/>
+                </a:solidFill>
+                <a:latin typeface="+mj-lt"/>
+                <a:ea typeface="Calibri"/>
+                <a:cs typeface="Calibri"/>
+                <a:sym typeface="Calibri"/>
+              </a:rPr>
+              <a:t>DBSCAN Attributes: Minimum Points</a:t>
+            </a:r>
           </a:p>
         </p:txBody>
       </p:sp>
@@ -12611,8 +13782,8 @@
         </p:nvSpPr>
         <p:spPr>
           <a:xfrm>
-            <a:off x="648000" y="1700640"/>
-            <a:ext cx="10079640" cy="4320000"/>
+            <a:off x="648000" y="1756230"/>
+            <a:ext cx="5725671" cy="4749148"/>
           </a:xfrm>
           <a:prstGeom prst="rect">
             <a:avLst/>
@@ -12633,12 +13804,82 @@
                 <a:spcPct val="140000"/>
               </a:lnSpc>
             </a:pPr>
-            <a:endParaRPr sz="2000" b="0" i="0" u="none" strike="noStrike" cap="none" dirty="0">
+            <a:r>
+              <a:rPr lang="en-US" sz="1600" dirty="0"/>
+              <a:t>In addition to Neighborhood Radius, Minimum Points Threshold is a key hyperparameter that affects DBSCAN performance.</a:t>
+            </a:r>
+          </a:p>
+          <a:p>
+            <a:pPr lvl="0">
+              <a:lnSpc>
+                <a:spcPct val="140000"/>
+              </a:lnSpc>
+            </a:pPr>
+            <a:endParaRPr lang="en-US" sz="1600" b="0" i="0" u="none" strike="noStrike" cap="none" dirty="0">
               <a:latin typeface="Arial"/>
               <a:ea typeface="Arial"/>
               <a:cs typeface="Arial"/>
               <a:sym typeface="Arial"/>
             </a:endParaRPr>
+          </a:p>
+          <a:p>
+            <a:pPr lvl="0">
+              <a:lnSpc>
+                <a:spcPct val="140000"/>
+              </a:lnSpc>
+            </a:pPr>
+            <a:r>
+              <a:rPr lang="en-US" sz="1600" dirty="0"/>
+              <a:t>Dependent on the number of samples in your data. Smaller data set may call for lower minimum points.</a:t>
+            </a:r>
+          </a:p>
+          <a:p>
+            <a:pPr lvl="0">
+              <a:lnSpc>
+                <a:spcPct val="140000"/>
+              </a:lnSpc>
+            </a:pPr>
+            <a:endParaRPr lang="en-US" sz="1600" b="0" i="0" u="none" strike="noStrike" cap="none" dirty="0">
+              <a:latin typeface="Arial"/>
+              <a:ea typeface="Arial"/>
+              <a:cs typeface="Arial"/>
+              <a:sym typeface="Arial"/>
+            </a:endParaRPr>
+          </a:p>
+          <a:p>
+            <a:pPr lvl="0">
+              <a:lnSpc>
+                <a:spcPct val="140000"/>
+              </a:lnSpc>
+            </a:pPr>
+            <a:r>
+              <a:rPr lang="en-US" sz="1600" dirty="0"/>
+              <a:t>Helps deal with the concept of noise – just because points are close doesn’t mean they are good cluster candidates. </a:t>
+            </a:r>
+          </a:p>
+          <a:p>
+            <a:pPr lvl="0">
+              <a:lnSpc>
+                <a:spcPct val="140000"/>
+              </a:lnSpc>
+            </a:pPr>
+            <a:endParaRPr lang="en-US" sz="1600" dirty="0"/>
+          </a:p>
+          <a:p>
+            <a:pPr lvl="0">
+              <a:lnSpc>
+                <a:spcPct val="140000"/>
+              </a:lnSpc>
+            </a:pPr>
+            <a:r>
+              <a:rPr lang="en-US" sz="1600" b="0" i="0" u="none" strike="noStrike" cap="none" dirty="0">
+                <a:latin typeface="Arial"/>
+                <a:ea typeface="Arial"/>
+                <a:cs typeface="Arial"/>
+                <a:sym typeface="Arial"/>
+              </a:rPr>
+              <a:t>Example on right shows a potential neighborhood in red, with ~7 points. If minimum points is 10 then all 7 points will be marked as NOISE, not in a cluster. </a:t>
+            </a:r>
           </a:p>
         </p:txBody>
       </p:sp>
@@ -12697,10 +13938,37 @@
           </a:p>
         </p:txBody>
       </p:sp>
+      <p:pic>
+        <p:nvPicPr>
+          <p:cNvPr id="5" name="Picture 4">
+            <a:extLst>
+              <a:ext uri="{FF2B5EF4-FFF2-40B4-BE49-F238E27FC236}">
+                <a16:creationId xmlns:a16="http://schemas.microsoft.com/office/drawing/2014/main" id="{ACDF378A-A528-AB46-B869-31C534765616}"/>
+              </a:ext>
+            </a:extLst>
+          </p:cNvPr>
+          <p:cNvPicPr/>
+          <p:nvPr/>
+        </p:nvPicPr>
+        <p:blipFill rotWithShape="1">
+          <a:blip r:embed="rId3"/>
+          <a:srcRect l="49685"/>
+          <a:stretch/>
+        </p:blipFill>
+        <p:spPr>
+          <a:xfrm>
+            <a:off x="6373671" y="2197508"/>
+            <a:ext cx="5325969" cy="3448018"/>
+          </a:xfrm>
+          <a:prstGeom prst="rect">
+            <a:avLst/>
+          </a:prstGeom>
+        </p:spPr>
+      </p:pic>
     </p:spTree>
     <p:extLst>
       <p:ext uri="{BB962C8B-B14F-4D97-AF65-F5344CB8AC3E}">
-        <p14:creationId xmlns:p14="http://schemas.microsoft.com/office/powerpoint/2010/main" val="1484763550"/>
+        <p14:creationId xmlns:p14="http://schemas.microsoft.com/office/powerpoint/2010/main" val="2703010240"/>
       </p:ext>
     </p:extLst>
   </p:cSld>
@@ -12954,7 +14222,7 @@
             <a:pPr lvl="0"/>
             <a:r>
               <a:rPr lang="en-US" sz="3600" dirty="0"/>
-              <a:t>Activity 2: Implementing K-Means Clustering</a:t>
+              <a:t>Exercise 2: Evaluating the Impact of Minimum Points Threshold</a:t>
             </a:r>
             <a:endParaRPr sz="3600" b="0" i="0" u="none" strike="noStrike" cap="none" dirty="0">
               <a:solidFill>
@@ -12998,7 +14266,117 @@
                 <a:spcPct val="140000"/>
               </a:lnSpc>
             </a:pPr>
-            <a:endParaRPr sz="2000" b="0" i="0" u="none" strike="noStrike" cap="none" dirty="0">
+            <a:r>
+              <a:rPr lang="en-US" sz="2000" b="1" i="0" u="none" strike="noStrike" cap="none" dirty="0">
+                <a:latin typeface="Arial"/>
+                <a:ea typeface="Arial"/>
+                <a:cs typeface="Arial"/>
+                <a:sym typeface="Arial"/>
+              </a:rPr>
+              <a:t>Scenario: </a:t>
+            </a:r>
+            <a:r>
+              <a:rPr lang="en-US" sz="2000" i="0" u="none" strike="noStrike" cap="none" dirty="0">
+                <a:latin typeface="Arial"/>
+                <a:ea typeface="Arial"/>
+                <a:cs typeface="Arial"/>
+                <a:sym typeface="Arial"/>
+              </a:rPr>
+              <a:t>For any given data set you will need to tailor the hyperparameters of DBSCAN to fit the problem appropriately. Evaluate how small </a:t>
+            </a:r>
+            <a:r>
+              <a:rPr lang="en-US" sz="2000" dirty="0"/>
+              <a:t>differences in minimum points threshold can drastically affect the output of your DBSCAN clustering algorithm.</a:t>
+            </a:r>
+          </a:p>
+          <a:p>
+            <a:pPr lvl="0">
+              <a:lnSpc>
+                <a:spcPct val="140000"/>
+              </a:lnSpc>
+            </a:pPr>
+            <a:endParaRPr lang="en-US" sz="2000" b="1" i="0" u="none" strike="noStrike" cap="none" dirty="0">
+              <a:latin typeface="Arial"/>
+              <a:ea typeface="Arial"/>
+              <a:cs typeface="Arial"/>
+              <a:sym typeface="Arial"/>
+            </a:endParaRPr>
+          </a:p>
+          <a:p>
+            <a:pPr marL="342900" lvl="0" indent="-342900">
+              <a:lnSpc>
+                <a:spcPct val="140000"/>
+              </a:lnSpc>
+              <a:buFontTx/>
+              <a:buChar char="-"/>
+            </a:pPr>
+            <a:r>
+              <a:rPr lang="en-US" sz="2000" i="0" u="none" strike="noStrike" cap="none" dirty="0">
+                <a:latin typeface="Arial"/>
+                <a:ea typeface="Arial"/>
+                <a:cs typeface="Arial"/>
+                <a:sym typeface="Arial"/>
+              </a:rPr>
+              <a:t>Use Sci-Kit Learn DBSCAN implementation for thi</a:t>
+            </a:r>
+            <a:r>
+              <a:rPr lang="en-US" sz="2000" dirty="0"/>
+              <a:t>s exercise. </a:t>
+            </a:r>
+          </a:p>
+          <a:p>
+            <a:pPr marL="342900" lvl="0" indent="-342900">
+              <a:lnSpc>
+                <a:spcPct val="140000"/>
+              </a:lnSpc>
+              <a:buFontTx/>
+              <a:buChar char="-"/>
+            </a:pPr>
+            <a:r>
+              <a:rPr lang="en-US" sz="2000" i="0" u="none" strike="noStrike" cap="none" dirty="0">
+                <a:latin typeface="Arial"/>
+                <a:ea typeface="Arial"/>
+                <a:cs typeface="Arial"/>
+                <a:sym typeface="Arial"/>
+              </a:rPr>
+              <a:t>Read </a:t>
+            </a:r>
+            <a:r>
+              <a:rPr lang="en-US" sz="2000" dirty="0"/>
+              <a:t>DBSCAN documentation to learn what field corresponds to minimum points threshold.</a:t>
+            </a:r>
+          </a:p>
+          <a:p>
+            <a:pPr marL="342900" lvl="0" indent="-342900">
+              <a:lnSpc>
+                <a:spcPct val="140000"/>
+              </a:lnSpc>
+              <a:buFontTx/>
+              <a:buChar char="-"/>
+            </a:pPr>
+            <a:r>
+              <a:rPr lang="en-US" sz="2000" i="0" u="none" strike="noStrike" cap="none" dirty="0">
+                <a:latin typeface="Arial"/>
+                <a:ea typeface="Arial"/>
+                <a:cs typeface="Arial"/>
+                <a:sym typeface="Arial"/>
+              </a:rPr>
+              <a:t>Keep </a:t>
+            </a:r>
+            <a:r>
+              <a:rPr lang="en-US" sz="2000" dirty="0"/>
+              <a:t>Neighborhood Radius Size </a:t>
+            </a:r>
+            <a:r>
+              <a:rPr lang="en-US" sz="2000" i="0" u="none" strike="noStrike" cap="none" dirty="0">
+                <a:latin typeface="Arial"/>
+                <a:ea typeface="Arial"/>
+                <a:cs typeface="Arial"/>
+                <a:sym typeface="Arial"/>
+              </a:rPr>
+              <a:t>constant for this exercise.</a:t>
+            </a:r>
+            <a:endParaRPr sz="2000" i="0" u="none" strike="noStrike" cap="none" dirty="0">
               <a:latin typeface="Arial"/>
               <a:ea typeface="Arial"/>
               <a:cs typeface="Arial"/>
@@ -13065,7 +14443,7 @@
     </p:spTree>
     <p:extLst>
       <p:ext uri="{BB962C8B-B14F-4D97-AF65-F5344CB8AC3E}">
-        <p14:creationId xmlns:p14="http://schemas.microsoft.com/office/powerpoint/2010/main" val="2939086095"/>
+        <p14:creationId xmlns:p14="http://schemas.microsoft.com/office/powerpoint/2010/main" val="3372418667"/>
       </p:ext>
     </p:extLst>
   </p:cSld>
@@ -13080,7 +14458,7 @@
   <p:cSld>
     <p:spTree>
       <p:nvGrpSpPr>
-        <p:cNvPr id="1" name="Shape 111"/>
+        <p:cNvPr id="1" name="Shape 82"/>
         <p:cNvGrpSpPr/>
         <p:nvPr/>
       </p:nvGrpSpPr>
@@ -13094,14 +14472,14 @@
       </p:grpSpPr>
       <p:sp>
         <p:nvSpPr>
-          <p:cNvPr id="112" name="Google Shape;112;p19"/>
+          <p:cNvPr id="83" name="Google Shape;83;p16"/>
           <p:cNvSpPr txBox="1"/>
           <p:nvPr/>
         </p:nvSpPr>
         <p:spPr>
           <a:xfrm>
-            <a:off x="648000" y="665640"/>
-            <a:ext cx="10079640" cy="962640"/>
+            <a:off x="648000" y="893160"/>
+            <a:ext cx="10079640" cy="674640"/>
           </a:xfrm>
           <a:prstGeom prst="rect">
             <a:avLst/>
@@ -13130,14 +14508,11 @@
               <a:buNone/>
             </a:pPr>
             <a:r>
-              <a:rPr lang="en-US" sz="3600" b="0" i="0" u="none" strike="noStrike" cap="none" dirty="0">
+              <a:rPr lang="en-US" sz="3600" dirty="0">
                 <a:solidFill>
                   <a:srgbClr val="2C2C2C"/>
                 </a:solidFill>
-                <a:latin typeface="Arial"/>
-                <a:ea typeface="Arial"/>
-                <a:cs typeface="Arial"/>
-                <a:sym typeface="Arial"/>
+                <a:ea typeface="Calibri"/>
               </a:rPr>
               <a:t>Discuss</a:t>
             </a:r>
@@ -13155,14 +14530,14 @@
       </p:sp>
       <p:sp>
         <p:nvSpPr>
-          <p:cNvPr id="113" name="Google Shape;113;p19"/>
+          <p:cNvPr id="84" name="Google Shape;84;p16"/>
           <p:cNvSpPr txBox="1"/>
           <p:nvPr/>
         </p:nvSpPr>
         <p:spPr>
           <a:xfrm>
-            <a:off x="648000" y="1772640"/>
-            <a:ext cx="10079640" cy="4176000"/>
+            <a:off x="648000" y="1700640"/>
+            <a:ext cx="10079640" cy="4320000"/>
           </a:xfrm>
           <a:prstGeom prst="rect">
             <a:avLst/>
@@ -13178,31 +14553,26 @@
           </a:bodyPr>
           <a:lstStyle/>
           <a:p>
-            <a:pPr marL="216000" lvl="0" indent="-216000">
-              <a:buClr>
-                <a:schemeClr val="dk1"/>
-              </a:buClr>
-            </a:pPr>
-            <a:r>
-              <a:rPr lang="en-US" sz="2000" dirty="0">
-                <a:solidFill>
-                  <a:schemeClr val="dk1"/>
-                </a:solidFill>
-              </a:rPr>
-              <a:t>Why does the barebones Euclidean distance method perform poorly compared to pre-packaged ones?</a:t>
-            </a:r>
-            <a:endParaRPr sz="2000" b="0" i="0" u="none" strike="noStrike" cap="none" dirty="0">
-              <a:latin typeface="Arial"/>
-              <a:ea typeface="Arial"/>
-              <a:cs typeface="Arial"/>
-              <a:sym typeface="Arial"/>
-            </a:endParaRPr>
+            <a:r>
+              <a:rPr lang="en-US" sz="2000" dirty="0"/>
+              <a:t>Was modifying the minimum points threshold impactful in changing the final cluster label outputs for your data set?</a:t>
+            </a:r>
+          </a:p>
+          <a:p>
+            <a:endParaRPr lang="en-US" sz="2000" dirty="0"/>
+          </a:p>
+          <a:p>
+            <a:r>
+              <a:rPr lang="en-US" sz="2000" dirty="0"/>
+              <a:t>What were the ideal hyperparameters for your data set? </a:t>
+            </a:r>
+            <a:endParaRPr lang="en-IN" sz="2000" dirty="0"/>
           </a:p>
         </p:txBody>
       </p:sp>
       <p:sp>
         <p:nvSpPr>
-          <p:cNvPr id="114" name="Google Shape;114;p19"/>
+          <p:cNvPr id="85" name="Google Shape;85;p16"/>
           <p:cNvSpPr txBox="1"/>
           <p:nvPr/>
         </p:nvSpPr>
@@ -13259,6 +14629,11 @@
         </p:txBody>
       </p:sp>
     </p:spTree>
+    <p:extLst>
+      <p:ext uri="{BB962C8B-B14F-4D97-AF65-F5344CB8AC3E}">
+        <p14:creationId xmlns:p14="http://schemas.microsoft.com/office/powerpoint/2010/main" val="1653459001"/>
+      </p:ext>
+    </p:extLst>
   </p:cSld>
   <p:clrMapOvr>
     <a:masterClrMapping/>
@@ -13267,6 +14642,415 @@
 </file>
 
 <file path=ppt/slides/slide22.xml><?xml version="1.0" encoding="utf-8"?>
+<p:sld xmlns:a="http://schemas.openxmlformats.org/drawingml/2006/main" xmlns:r="http://schemas.openxmlformats.org/officeDocument/2006/relationships" xmlns:p="http://schemas.openxmlformats.org/presentationml/2006/main">
+  <p:cSld>
+    <p:spTree>
+      <p:nvGrpSpPr>
+        <p:cNvPr id="1" name="Shape 82"/>
+        <p:cNvGrpSpPr/>
+        <p:nvPr/>
+      </p:nvGrpSpPr>
+      <p:grpSpPr>
+        <a:xfrm>
+          <a:off x="0" y="0"/>
+          <a:ext cx="0" cy="0"/>
+          <a:chOff x="0" y="0"/>
+          <a:chExt cx="0" cy="0"/>
+        </a:xfrm>
+      </p:grpSpPr>
+      <p:sp>
+        <p:nvSpPr>
+          <p:cNvPr id="83" name="Google Shape;83;p16"/>
+          <p:cNvSpPr txBox="1"/>
+          <p:nvPr/>
+        </p:nvSpPr>
+        <p:spPr>
+          <a:xfrm>
+            <a:off x="648000" y="893160"/>
+            <a:ext cx="10079640" cy="674640"/>
+          </a:xfrm>
+          <a:prstGeom prst="rect">
+            <a:avLst/>
+          </a:prstGeom>
+          <a:noFill/>
+          <a:ln>
+            <a:noFill/>
+          </a:ln>
+        </p:spPr>
+        <p:txBody>
+          <a:bodyPr spcFirstLastPara="1" wrap="square" lIns="91425" tIns="45700" rIns="91425" bIns="45700" anchor="b" anchorCtr="0">
+            <a:noAutofit/>
+          </a:bodyPr>
+          <a:lstStyle/>
+          <a:p>
+            <a:r>
+              <a:rPr lang="en-US" sz="3600" dirty="0"/>
+              <a:t>Activity 2: Compare DBSCAN with K-Means and Hierarchical Clustering </a:t>
+            </a:r>
+          </a:p>
+        </p:txBody>
+      </p:sp>
+      <p:sp>
+        <p:nvSpPr>
+          <p:cNvPr id="84" name="Google Shape;84;p16"/>
+          <p:cNvSpPr txBox="1"/>
+          <p:nvPr/>
+        </p:nvSpPr>
+        <p:spPr>
+          <a:xfrm>
+            <a:off x="648000" y="1700640"/>
+            <a:ext cx="10079640" cy="4320000"/>
+          </a:xfrm>
+          <a:prstGeom prst="rect">
+            <a:avLst/>
+          </a:prstGeom>
+          <a:noFill/>
+          <a:ln>
+            <a:noFill/>
+          </a:ln>
+        </p:spPr>
+        <p:txBody>
+          <a:bodyPr spcFirstLastPara="1" wrap="square" lIns="91425" tIns="45700" rIns="91425" bIns="45700" anchor="t" anchorCtr="0">
+            <a:noAutofit/>
+          </a:bodyPr>
+          <a:lstStyle/>
+          <a:p>
+            <a:pPr lvl="0">
+              <a:lnSpc>
+                <a:spcPct val="140000"/>
+              </a:lnSpc>
+            </a:pPr>
+            <a:r>
+              <a:rPr lang="en-US" sz="2000" b="1" dirty="0"/>
+              <a:t>Scenario: </a:t>
+            </a:r>
+            <a:r>
+              <a:rPr lang="en-US" sz="2000" dirty="0"/>
+              <a:t>Your manager is asking you to evaluate different clustering approaches to see which works best for your use case. You need to be able to report back on which clustering method is most relevant based off the data you have available.</a:t>
+            </a:r>
+          </a:p>
+          <a:p>
+            <a:pPr lvl="0">
+              <a:lnSpc>
+                <a:spcPct val="140000"/>
+              </a:lnSpc>
+            </a:pPr>
+            <a:endParaRPr lang="en-US" sz="2000" dirty="0"/>
+          </a:p>
+          <a:p>
+            <a:pPr lvl="0">
+              <a:lnSpc>
+                <a:spcPct val="140000"/>
+              </a:lnSpc>
+            </a:pPr>
+            <a:r>
+              <a:rPr lang="en-US" sz="2000" b="1" dirty="0"/>
+              <a:t>Aim: </a:t>
+            </a:r>
+            <a:r>
+              <a:rPr lang="en-US" sz="2000" dirty="0"/>
+              <a:t>Using Sci-Kit Learn implementations, evaluate how each of the clustering methods we’ve learned thus far perform on sample data you generate. You should explore blob-like data features as well as more complex data landscapes such as swiss-roll.</a:t>
+            </a:r>
+          </a:p>
+          <a:p>
+            <a:pPr lvl="0">
+              <a:lnSpc>
+                <a:spcPct val="140000"/>
+              </a:lnSpc>
+            </a:pPr>
+            <a:endParaRPr lang="en-US" sz="2000" dirty="0"/>
+          </a:p>
+          <a:p>
+            <a:pPr lvl="0">
+              <a:lnSpc>
+                <a:spcPct val="140000"/>
+              </a:lnSpc>
+            </a:pPr>
+            <a:r>
+              <a:rPr lang="en-US" sz="2000" dirty="0"/>
+              <a:t>- Tune hyperparameters until you reach ideal implementations of all models. Then compare how they do in practice.</a:t>
+            </a:r>
+          </a:p>
+          <a:p>
+            <a:pPr lvl="0">
+              <a:lnSpc>
+                <a:spcPct val="140000"/>
+              </a:lnSpc>
+            </a:pPr>
+            <a:endParaRPr lang="en-US" sz="2000" dirty="0"/>
+          </a:p>
+          <a:p>
+            <a:pPr lvl="0">
+              <a:lnSpc>
+                <a:spcPct val="140000"/>
+              </a:lnSpc>
+            </a:pPr>
+            <a:endParaRPr sz="2000" b="0" i="0" u="none" strike="noStrike" cap="none" dirty="0">
+              <a:latin typeface="Arial"/>
+              <a:ea typeface="Arial"/>
+              <a:cs typeface="Arial"/>
+              <a:sym typeface="Arial"/>
+            </a:endParaRPr>
+          </a:p>
+        </p:txBody>
+      </p:sp>
+      <p:sp>
+        <p:nvSpPr>
+          <p:cNvPr id="85" name="Google Shape;85;p16"/>
+          <p:cNvSpPr txBox="1"/>
+          <p:nvPr/>
+        </p:nvSpPr>
+        <p:spPr>
+          <a:xfrm>
+            <a:off x="11160000" y="576000"/>
+            <a:ext cx="539640" cy="287640"/>
+          </a:xfrm>
+          <a:prstGeom prst="rect">
+            <a:avLst/>
+          </a:prstGeom>
+          <a:noFill/>
+          <a:ln>
+            <a:noFill/>
+          </a:ln>
+        </p:spPr>
+        <p:txBody>
+          <a:bodyPr spcFirstLastPara="1" wrap="square" lIns="91425" tIns="45700" rIns="91425" bIns="45700" anchor="ctr" anchorCtr="0">
+            <a:noAutofit/>
+          </a:bodyPr>
+          <a:lstStyle/>
+          <a:p>
+            <a:pPr marL="0" marR="0" lvl="0" indent="0" algn="ctr" rtl="0">
+              <a:lnSpc>
+                <a:spcPct val="100000"/>
+              </a:lnSpc>
+              <a:spcBef>
+                <a:spcPts val="0"/>
+              </a:spcBef>
+              <a:spcAft>
+                <a:spcPts val="0"/>
+              </a:spcAft>
+              <a:buNone/>
+            </a:pPr>
+            <a:r>
+              <a:rPr lang="en-US" sz="1200" b="1" dirty="0">
+                <a:solidFill>
+                  <a:srgbClr val="2C2C2C"/>
+                </a:solidFill>
+                <a:ea typeface="Times New Roman"/>
+              </a:rPr>
+              <a:t>6</a:t>
+            </a:r>
+            <a:endParaRPr sz="1200" b="0" i="0" u="none" strike="noStrike" cap="none" dirty="0">
+              <a:latin typeface="Times New Roman"/>
+              <a:ea typeface="Times New Roman"/>
+              <a:cs typeface="Times New Roman"/>
+              <a:sym typeface="Times New Roman"/>
+            </a:endParaRPr>
+          </a:p>
+        </p:txBody>
+      </p:sp>
+    </p:spTree>
+    <p:extLst>
+      <p:ext uri="{BB962C8B-B14F-4D97-AF65-F5344CB8AC3E}">
+        <p14:creationId xmlns:p14="http://schemas.microsoft.com/office/powerpoint/2010/main" val="1934050136"/>
+      </p:ext>
+    </p:extLst>
+  </p:cSld>
+  <p:clrMapOvr>
+    <a:masterClrMapping/>
+  </p:clrMapOvr>
+</p:sld>
+</file>
+
+<file path=ppt/slides/slide23.xml><?xml version="1.0" encoding="utf-8"?>
+<p:sld xmlns:a="http://schemas.openxmlformats.org/drawingml/2006/main" xmlns:r="http://schemas.openxmlformats.org/officeDocument/2006/relationships" xmlns:p="http://schemas.openxmlformats.org/presentationml/2006/main">
+  <p:cSld>
+    <p:spTree>
+      <p:nvGrpSpPr>
+        <p:cNvPr id="1" name="Shape 82"/>
+        <p:cNvGrpSpPr/>
+        <p:nvPr/>
+      </p:nvGrpSpPr>
+      <p:grpSpPr>
+        <a:xfrm>
+          <a:off x="0" y="0"/>
+          <a:ext cx="0" cy="0"/>
+          <a:chOff x="0" y="0"/>
+          <a:chExt cx="0" cy="0"/>
+        </a:xfrm>
+      </p:grpSpPr>
+      <p:sp>
+        <p:nvSpPr>
+          <p:cNvPr id="83" name="Google Shape;83;p16"/>
+          <p:cNvSpPr txBox="1"/>
+          <p:nvPr/>
+        </p:nvSpPr>
+        <p:spPr>
+          <a:xfrm>
+            <a:off x="648000" y="893160"/>
+            <a:ext cx="10079640" cy="674640"/>
+          </a:xfrm>
+          <a:prstGeom prst="rect">
+            <a:avLst/>
+          </a:prstGeom>
+          <a:noFill/>
+          <a:ln>
+            <a:noFill/>
+          </a:ln>
+        </p:spPr>
+        <p:txBody>
+          <a:bodyPr spcFirstLastPara="1" wrap="square" lIns="91425" tIns="45700" rIns="91425" bIns="45700" anchor="b" anchorCtr="0">
+            <a:noAutofit/>
+          </a:bodyPr>
+          <a:lstStyle/>
+          <a:p>
+            <a:pPr marL="0" marR="0" lvl="0" indent="0" algn="l" rtl="0">
+              <a:lnSpc>
+                <a:spcPct val="100000"/>
+              </a:lnSpc>
+              <a:spcBef>
+                <a:spcPts val="0"/>
+              </a:spcBef>
+              <a:spcAft>
+                <a:spcPts val="0"/>
+              </a:spcAft>
+              <a:buNone/>
+            </a:pPr>
+            <a:r>
+              <a:rPr lang="en-US" sz="3600" dirty="0">
+                <a:solidFill>
+                  <a:srgbClr val="2C2C2C"/>
+                </a:solidFill>
+                <a:ea typeface="Calibri"/>
+              </a:rPr>
+              <a:t>Discuss</a:t>
+            </a:r>
+            <a:endParaRPr sz="3600" b="0" i="0" u="none" strike="noStrike" cap="none" dirty="0">
+              <a:solidFill>
+                <a:srgbClr val="000000"/>
+              </a:solidFill>
+              <a:latin typeface="Calibri"/>
+              <a:ea typeface="Calibri"/>
+              <a:cs typeface="Calibri"/>
+              <a:sym typeface="Calibri"/>
+            </a:endParaRPr>
+          </a:p>
+        </p:txBody>
+      </p:sp>
+      <p:sp>
+        <p:nvSpPr>
+          <p:cNvPr id="84" name="Google Shape;84;p16"/>
+          <p:cNvSpPr txBox="1"/>
+          <p:nvPr/>
+        </p:nvSpPr>
+        <p:spPr>
+          <a:xfrm>
+            <a:off x="648000" y="1700640"/>
+            <a:ext cx="10079640" cy="4320000"/>
+          </a:xfrm>
+          <a:prstGeom prst="rect">
+            <a:avLst/>
+          </a:prstGeom>
+          <a:noFill/>
+          <a:ln>
+            <a:noFill/>
+          </a:ln>
+        </p:spPr>
+        <p:txBody>
+          <a:bodyPr spcFirstLastPara="1" wrap="square" lIns="91425" tIns="45700" rIns="91425" bIns="45700" anchor="t" anchorCtr="0">
+            <a:noAutofit/>
+          </a:bodyPr>
+          <a:lstStyle/>
+          <a:p>
+            <a:r>
+              <a:rPr lang="en-US" sz="2000" dirty="0"/>
+              <a:t>How much did you have to change hyperparameters for each model depending upon the dataset you were applying it to?</a:t>
+            </a:r>
+          </a:p>
+          <a:p>
+            <a:endParaRPr lang="en-US" sz="2000" dirty="0"/>
+          </a:p>
+          <a:p>
+            <a:r>
+              <a:rPr lang="en-US" sz="2000" dirty="0"/>
+              <a:t>Which model performed best across the majority of data sets you tried? Why?</a:t>
+            </a:r>
+            <a:endParaRPr lang="en-IN" sz="2000" dirty="0"/>
+          </a:p>
+        </p:txBody>
+      </p:sp>
+      <p:sp>
+        <p:nvSpPr>
+          <p:cNvPr id="85" name="Google Shape;85;p16"/>
+          <p:cNvSpPr txBox="1"/>
+          <p:nvPr/>
+        </p:nvSpPr>
+        <p:spPr>
+          <a:xfrm>
+            <a:off x="11160000" y="576000"/>
+            <a:ext cx="539640" cy="287640"/>
+          </a:xfrm>
+          <a:prstGeom prst="rect">
+            <a:avLst/>
+          </a:prstGeom>
+          <a:noFill/>
+          <a:ln>
+            <a:noFill/>
+          </a:ln>
+        </p:spPr>
+        <p:txBody>
+          <a:bodyPr spcFirstLastPara="1" wrap="square" lIns="91425" tIns="45700" rIns="91425" bIns="45700" anchor="ctr" anchorCtr="0">
+            <a:noAutofit/>
+          </a:bodyPr>
+          <a:lstStyle/>
+          <a:p>
+            <a:pPr marL="0" marR="0" lvl="0" indent="0" algn="ctr" rtl="0">
+              <a:lnSpc>
+                <a:spcPct val="100000"/>
+              </a:lnSpc>
+              <a:spcBef>
+                <a:spcPts val="0"/>
+              </a:spcBef>
+              <a:spcAft>
+                <a:spcPts val="0"/>
+              </a:spcAft>
+              <a:buNone/>
+            </a:pPr>
+            <a:fld id="{00000000-1234-1234-1234-123412341234}" type="slidenum">
+              <a:rPr lang="en-US" sz="1200" b="1" i="0" u="none" strike="noStrike" cap="none">
+                <a:solidFill>
+                  <a:srgbClr val="2C2C2C"/>
+                </a:solidFill>
+                <a:latin typeface="Arial"/>
+                <a:ea typeface="Arial"/>
+                <a:cs typeface="Arial"/>
+                <a:sym typeface="Arial"/>
+              </a:rPr>
+              <a:t>23</a:t>
+            </a:fld>
+            <a:endParaRPr sz="1200" b="0" i="0" u="none" strike="noStrike" cap="none">
+              <a:latin typeface="Times New Roman"/>
+              <a:ea typeface="Times New Roman"/>
+              <a:cs typeface="Times New Roman"/>
+              <a:sym typeface="Times New Roman"/>
+            </a:endParaRPr>
+          </a:p>
+        </p:txBody>
+      </p:sp>
+    </p:spTree>
+    <p:extLst>
+      <p:ext uri="{BB962C8B-B14F-4D97-AF65-F5344CB8AC3E}">
+        <p14:creationId xmlns:p14="http://schemas.microsoft.com/office/powerpoint/2010/main" val="2385500906"/>
+      </p:ext>
+    </p:extLst>
+  </p:cSld>
+  <p:clrMapOvr>
+    <a:masterClrMapping/>
+  </p:clrMapOvr>
+</p:sld>
+</file>
+
+<file path=ppt/slides/slide24.xml><?xml version="1.0" encoding="utf-8"?>
 <p:sld xmlns:a="http://schemas.openxmlformats.org/drawingml/2006/main" xmlns:r="http://schemas.openxmlformats.org/officeDocument/2006/relationships" xmlns:p="http://schemas.openxmlformats.org/presentationml/2006/main">
   <p:cSld>
     <p:spTree>
@@ -13376,7 +15160,7 @@
                 <a:cs typeface="Arial"/>
                 <a:sym typeface="Arial"/>
               </a:rPr>
-              <a:t>22</a:t>
+              <a:t>24</a:t>
             </a:fld>
             <a:endParaRPr sz="1200" b="0" i="0" u="none" strike="noStrike" cap="none">
               <a:latin typeface="Times New Roman"/>
@@ -13412,7 +15196,7 @@
           </a:bodyPr>
           <a:lstStyle/>
           <a:p>
-            <a:pPr marL="0" marR="0" lvl="0" indent="0" algn="l" rtl="0">
+            <a:pPr marL="342900" marR="0" lvl="0" indent="-342900" algn="l" rtl="0">
               <a:lnSpc>
                 <a:spcPct val="140000"/>
               </a:lnSpc>
@@ -13422,8 +15206,80 @@
               <a:spcAft>
                 <a:spcPts val="0"/>
               </a:spcAft>
-              <a:buNone/>
-            </a:pPr>
+              <a:buFontTx/>
+              <a:buChar char="-"/>
+            </a:pPr>
+            <a:r>
+              <a:rPr lang="en-US" sz="2000" b="0" i="0" u="none" strike="noStrike" cap="none" dirty="0">
+                <a:latin typeface="Arial"/>
+                <a:ea typeface="Arial"/>
+                <a:cs typeface="Arial"/>
+                <a:sym typeface="Arial"/>
+              </a:rPr>
+              <a:t>DBSCAN is a powerful clustering algorithm that can perform well on complex data sets</a:t>
+            </a:r>
+          </a:p>
+          <a:p>
+            <a:pPr marL="342900" marR="0" lvl="0" indent="-342900" algn="l" rtl="0">
+              <a:lnSpc>
+                <a:spcPct val="140000"/>
+              </a:lnSpc>
+              <a:spcBef>
+                <a:spcPts val="799"/>
+              </a:spcBef>
+              <a:spcAft>
+                <a:spcPts val="0"/>
+              </a:spcAft>
+              <a:buFontTx/>
+              <a:buChar char="-"/>
+            </a:pPr>
+            <a:r>
+              <a:rPr lang="en-US" sz="2000" b="0" i="0" u="none" strike="noStrike" cap="none" dirty="0">
+                <a:latin typeface="Arial"/>
+                <a:ea typeface="Arial"/>
+                <a:cs typeface="Arial"/>
+                <a:sym typeface="Arial"/>
+              </a:rPr>
+              <a:t>It works by dealing with the notion of neighbors through density</a:t>
+            </a:r>
+          </a:p>
+          <a:p>
+            <a:pPr marL="342900" marR="0" lvl="0" indent="-342900" algn="l" rtl="0">
+              <a:lnSpc>
+                <a:spcPct val="140000"/>
+              </a:lnSpc>
+              <a:spcBef>
+                <a:spcPts val="799"/>
+              </a:spcBef>
+              <a:spcAft>
+                <a:spcPts val="0"/>
+              </a:spcAft>
+              <a:buFontTx/>
+              <a:buChar char="-"/>
+            </a:pPr>
+            <a:r>
+              <a:rPr lang="en-US" sz="2000" dirty="0"/>
+              <a:t>The two key hyperparameters for DBSCAN are neighborhood radius size and minimum points threshold</a:t>
+            </a:r>
+          </a:p>
+          <a:p>
+            <a:pPr marL="342900" marR="0" lvl="0" indent="-342900" algn="l" rtl="0">
+              <a:lnSpc>
+                <a:spcPct val="140000"/>
+              </a:lnSpc>
+              <a:spcBef>
+                <a:spcPts val="799"/>
+              </a:spcBef>
+              <a:spcAft>
+                <a:spcPts val="0"/>
+              </a:spcAft>
+              <a:buFontTx/>
+              <a:buChar char="-"/>
+            </a:pPr>
+            <a:r>
+              <a:rPr lang="en-US" sz="2000" dirty="0"/>
+              <a:t>DBSCAN works well but it is not perfect. For any clustering challenge you will face, it is worth exploring K-Means, Hierarchical Clustering, and DBSCAN to find the best fit.</a:t>
+            </a:r>
             <a:endParaRPr sz="2000" b="0" i="0" u="none" strike="noStrike" cap="none" dirty="0">
               <a:latin typeface="Arial"/>
               <a:ea typeface="Arial"/>
@@ -13544,35 +15400,31 @@
           </a:bodyPr>
           <a:lstStyle/>
           <a:p>
-            <a:pPr marL="0" marR="0" lvl="0" indent="0" algn="l" rtl="0">
+            <a:pPr marL="101600">
               <a:lnSpc>
                 <a:spcPct val="140000"/>
               </a:lnSpc>
-              <a:spcBef>
-                <a:spcPts val="0"/>
-              </a:spcBef>
-              <a:spcAft>
-                <a:spcPts val="0"/>
-              </a:spcAft>
               <a:buClr>
-                <a:srgbClr val="000000"/>
+                <a:srgbClr val="2C2C2C"/>
               </a:buClr>
-              <a:buFont typeface="Arial"/>
-              <a:buNone/>
-            </a:pPr>
-            <a:r>
-              <a:rPr lang="en-US" sz="2000" dirty="0">
-                <a:solidFill>
-                  <a:srgbClr val="2C2C2C"/>
-                </a:solidFill>
-              </a:rPr>
-              <a:t>By the end of this chapter you will learn:</a:t>
-            </a:r>
-            <a:endParaRPr sz="2000" dirty="0">
-              <a:solidFill>
+              <a:buSzPts val="2000"/>
+            </a:pPr>
+            <a:r>
+              <a:rPr lang="en-US" sz="2000" dirty="0"/>
+              <a:t>By the end of this lesson, you will be able to:</a:t>
+            </a:r>
+          </a:p>
+          <a:p>
+            <a:pPr marL="101600">
+              <a:lnSpc>
+                <a:spcPct val="140000"/>
+              </a:lnSpc>
+              <a:buClr>
                 <a:srgbClr val="2C2C2C"/>
-              </a:solidFill>
-            </a:endParaRPr>
+              </a:buClr>
+              <a:buSzPts val="2000"/>
+            </a:pPr>
+            <a:endParaRPr lang="en-US" sz="2000" dirty="0"/>
           </a:p>
           <a:p>
             <a:pPr marL="444500" indent="-342900">
@@ -13588,9 +15440,8 @@
             </a:pPr>
             <a:r>
               <a:rPr lang="en-US" sz="2000" dirty="0"/>
-              <a:t>Distinguish between supervised learning and unsupervised learning</a:t>
-            </a:r>
-            <a:endParaRPr lang="en-IN" sz="2000" dirty="0"/>
+              <a:t>Explain the intuition behind neighborhood approaches – mainly DBSCAN</a:t>
+            </a:r>
           </a:p>
           <a:p>
             <a:pPr marL="444500" indent="-342900">
@@ -13606,9 +15457,8 @@
             </a:pPr>
             <a:r>
               <a:rPr lang="en-US" sz="2000" dirty="0"/>
-              <a:t>Explain the concept of clustering</a:t>
-            </a:r>
-            <a:endParaRPr lang="en-IN" sz="2000" dirty="0"/>
+              <a:t>Implement the DBSCAN algorithm from scratch and using packages</a:t>
+            </a:r>
           </a:p>
           <a:p>
             <a:pPr marL="444500" indent="-342900">
@@ -13624,26 +15474,36 @@
             </a:pPr>
             <a:r>
               <a:rPr lang="en-US" sz="2000" dirty="0"/>
-              <a:t>Implement k-means clustering algorithm using built-in Python packages</a:t>
-            </a:r>
-            <a:r>
-              <a:rPr lang="en-US" sz="2000" b="0" i="0" u="none" strike="noStrike" cap="none" dirty="0">
-                <a:solidFill>
-                  <a:srgbClr val="2C2C2C"/>
-                </a:solidFill>
-                <a:latin typeface="Arial"/>
-                <a:ea typeface="Arial"/>
-                <a:cs typeface="Arial"/>
-                <a:sym typeface="Arial"/>
-              </a:rPr>
-              <a:t> </a:t>
-            </a:r>
-            <a:endParaRPr sz="2000" b="0" i="0" u="none" strike="noStrike" cap="none" dirty="0">
-              <a:latin typeface="Arial"/>
-              <a:ea typeface="Arial"/>
-              <a:cs typeface="Arial"/>
-              <a:sym typeface="Arial"/>
-            </a:endParaRPr>
+              <a:t>Understand the differences between K-Means, Hierarchical Clustering, and DBSCAN</a:t>
+            </a:r>
+          </a:p>
+          <a:p>
+            <a:pPr marL="444500" indent="-342900">
+              <a:lnSpc>
+                <a:spcPct val="140000"/>
+              </a:lnSpc>
+              <a:buClr>
+                <a:srgbClr val="2C2C2C"/>
+              </a:buClr>
+              <a:buSzPts val="2000"/>
+              <a:buFont typeface="Arial" panose="020B0604020202020204" pitchFamily="34" charset="0"/>
+              <a:buChar char="•"/>
+            </a:pPr>
+            <a:endParaRPr lang="en-US" sz="2000" dirty="0"/>
+          </a:p>
+          <a:p>
+            <a:pPr marL="444500" indent="-342900">
+              <a:lnSpc>
+                <a:spcPct val="140000"/>
+              </a:lnSpc>
+              <a:buClr>
+                <a:srgbClr val="2C2C2C"/>
+              </a:buClr>
+              <a:buSzPts val="2000"/>
+              <a:buFont typeface="Arial" panose="020B0604020202020204" pitchFamily="34" charset="0"/>
+              <a:buChar char="•"/>
+            </a:pPr>
+            <a:endParaRPr lang="en-US" sz="2000" dirty="0"/>
           </a:p>
         </p:txBody>
       </p:sp>
@@ -13849,6 +15709,209 @@
           </a:p>
         </p:txBody>
       </p:sp>
+      <p:sp>
+        <p:nvSpPr>
+          <p:cNvPr id="5" name="Google Shape;84;p16">
+            <a:extLst>
+              <a:ext uri="{FF2B5EF4-FFF2-40B4-BE49-F238E27FC236}">
+                <a16:creationId xmlns:a16="http://schemas.microsoft.com/office/drawing/2014/main" id="{868AD671-03F3-524C-9D77-777C414FC24F}"/>
+              </a:ext>
+            </a:extLst>
+          </p:cNvPr>
+          <p:cNvSpPr txBox="1"/>
+          <p:nvPr/>
+        </p:nvSpPr>
+        <p:spPr>
+          <a:xfrm>
+            <a:off x="648000" y="1700640"/>
+            <a:ext cx="10079640" cy="4320000"/>
+          </a:xfrm>
+          <a:prstGeom prst="rect">
+            <a:avLst/>
+          </a:prstGeom>
+          <a:noFill/>
+          <a:ln>
+            <a:noFill/>
+          </a:ln>
+        </p:spPr>
+        <p:txBody>
+          <a:bodyPr spcFirstLastPara="1" wrap="square" lIns="91425" tIns="45700" rIns="91425" bIns="45700" anchor="t" anchorCtr="0">
+            <a:noAutofit/>
+          </a:bodyPr>
+          <a:lstStyle/>
+          <a:p>
+            <a:pPr marL="101600">
+              <a:lnSpc>
+                <a:spcPct val="140000"/>
+              </a:lnSpc>
+              <a:buClr>
+                <a:srgbClr val="2C2C2C"/>
+              </a:buClr>
+              <a:buSzPts val="2000"/>
+            </a:pPr>
+            <a:r>
+              <a:rPr lang="en-US" sz="2000" dirty="0"/>
+              <a:t>So far we have covered 2 clustering approaches:</a:t>
+            </a:r>
+          </a:p>
+          <a:p>
+            <a:pPr marL="444500" indent="-342900">
+              <a:lnSpc>
+                <a:spcPct val="140000"/>
+              </a:lnSpc>
+              <a:buClr>
+                <a:srgbClr val="2C2C2C"/>
+              </a:buClr>
+              <a:buSzPts val="2000"/>
+              <a:buFontTx/>
+              <a:buChar char="-"/>
+            </a:pPr>
+            <a:r>
+              <a:rPr lang="en-US" sz="2000" dirty="0"/>
+              <a:t>K-Means</a:t>
+            </a:r>
+          </a:p>
+          <a:p>
+            <a:pPr marL="444500" indent="-342900">
+              <a:lnSpc>
+                <a:spcPct val="140000"/>
+              </a:lnSpc>
+              <a:buClr>
+                <a:srgbClr val="2C2C2C"/>
+              </a:buClr>
+              <a:buSzPts val="2000"/>
+              <a:buFontTx/>
+              <a:buChar char="-"/>
+            </a:pPr>
+            <a:r>
+              <a:rPr lang="en-US" sz="2000" dirty="0"/>
+              <a:t>Hierarchical Clustering</a:t>
+            </a:r>
+          </a:p>
+          <a:p>
+            <a:pPr marL="444500" indent="-342900">
+              <a:lnSpc>
+                <a:spcPct val="140000"/>
+              </a:lnSpc>
+              <a:buClr>
+                <a:srgbClr val="2C2C2C"/>
+              </a:buClr>
+              <a:buSzPts val="2000"/>
+              <a:buFontTx/>
+              <a:buChar char="-"/>
+            </a:pPr>
+            <a:endParaRPr lang="en-US" sz="2000" dirty="0"/>
+          </a:p>
+          <a:p>
+            <a:pPr marL="101600">
+              <a:lnSpc>
+                <a:spcPct val="140000"/>
+              </a:lnSpc>
+              <a:buClr>
+                <a:srgbClr val="2C2C2C"/>
+              </a:buClr>
+              <a:buSzPts val="2000"/>
+            </a:pPr>
+            <a:r>
+              <a:rPr lang="en-US" sz="2000" dirty="0"/>
+              <a:t>Powerful algorithms, however not perfect. Often there will be a trade off in complexity vs. time taken to build when it comes to clustering. </a:t>
+            </a:r>
+          </a:p>
+          <a:p>
+            <a:pPr marL="101600">
+              <a:lnSpc>
+                <a:spcPct val="140000"/>
+              </a:lnSpc>
+              <a:buClr>
+                <a:srgbClr val="2C2C2C"/>
+              </a:buClr>
+              <a:buSzPts val="2000"/>
+            </a:pPr>
+            <a:endParaRPr lang="en-US" sz="2000" dirty="0"/>
+          </a:p>
+          <a:p>
+            <a:pPr marL="101600">
+              <a:lnSpc>
+                <a:spcPct val="140000"/>
+              </a:lnSpc>
+              <a:buClr>
+                <a:srgbClr val="2C2C2C"/>
+              </a:buClr>
+              <a:buSzPts val="2000"/>
+            </a:pPr>
+            <a:r>
+              <a:rPr lang="en-US" sz="2000" dirty="0"/>
+              <a:t>The approach you decide to take will depend on a case by case basis. Understand your data and you will understand how to tackle clustering.</a:t>
+            </a:r>
+          </a:p>
+          <a:p>
+            <a:pPr marL="444500" indent="-342900">
+              <a:lnSpc>
+                <a:spcPct val="140000"/>
+              </a:lnSpc>
+              <a:buClr>
+                <a:srgbClr val="2C2C2C"/>
+              </a:buClr>
+              <a:buSzPts val="2000"/>
+              <a:buFontTx/>
+              <a:buChar char="-"/>
+            </a:pPr>
+            <a:endParaRPr lang="en-US" sz="2000" dirty="0"/>
+          </a:p>
+          <a:p>
+            <a:pPr marL="101600">
+              <a:lnSpc>
+                <a:spcPct val="140000"/>
+              </a:lnSpc>
+              <a:buClr>
+                <a:srgbClr val="2C2C2C"/>
+              </a:buClr>
+              <a:buSzPts val="2000"/>
+            </a:pPr>
+            <a:endParaRPr lang="en-US" sz="2000" dirty="0"/>
+          </a:p>
+          <a:p>
+            <a:pPr marL="101600">
+              <a:lnSpc>
+                <a:spcPct val="140000"/>
+              </a:lnSpc>
+              <a:buClr>
+                <a:srgbClr val="2C2C2C"/>
+              </a:buClr>
+              <a:buSzPts val="2000"/>
+            </a:pPr>
+            <a:endParaRPr lang="en-US" sz="2000" dirty="0"/>
+          </a:p>
+          <a:p>
+            <a:pPr marL="444500" indent="-342900">
+              <a:lnSpc>
+                <a:spcPct val="140000"/>
+              </a:lnSpc>
+              <a:buClr>
+                <a:srgbClr val="2C2C2C"/>
+              </a:buClr>
+              <a:buSzPts val="2000"/>
+              <a:buFont typeface="Arial" panose="020B0604020202020204" pitchFamily="34" charset="0"/>
+              <a:buChar char="•"/>
+            </a:pPr>
+            <a:endParaRPr lang="en-US" sz="2000" dirty="0"/>
+          </a:p>
+          <a:p>
+            <a:pPr marL="444500" indent="-342900">
+              <a:lnSpc>
+                <a:spcPct val="140000"/>
+              </a:lnSpc>
+              <a:buClr>
+                <a:srgbClr val="2C2C2C"/>
+              </a:buClr>
+              <a:buSzPts val="2000"/>
+              <a:buFont typeface="Arial" panose="020B0604020202020204" pitchFamily="34" charset="0"/>
+              <a:buChar char="•"/>
+            </a:pPr>
+            <a:endParaRPr lang="en-US" sz="2000" dirty="0"/>
+          </a:p>
+        </p:txBody>
+      </p:sp>
     </p:spTree>
   </p:cSld>
   <p:clrMapOvr>
@@ -13959,7 +16022,16 @@
           <a:p>
             <a:r>
               <a:rPr lang="en-US" sz="2000" dirty="0"/>
-              <a:t>If you were asked to understand a dataset, how would you do it? How many people in this class are familiar with supervised learning? What would you do if you got a dataset without labels, or targets, to train on?</a:t>
+              <a:t>What are some examples of how you’ve used K-Means or Hierarchical Clustering after the previous lessons? If you have not implemented them yet, what will you use these methods for?</a:t>
+            </a:r>
+          </a:p>
+          <a:p>
+            <a:endParaRPr lang="en-US" sz="2000" dirty="0"/>
+          </a:p>
+          <a:p>
+            <a:r>
+              <a:rPr lang="en-US" sz="2000" dirty="0"/>
+              <a:t>Why would you choose K-Means over Hierarchical Clustering or vice versa?</a:t>
             </a:r>
             <a:endParaRPr lang="en-IN" sz="2000" dirty="0"/>
           </a:p>
@@ -14081,7 +16153,7 @@
             <a:pPr lvl="0"/>
             <a:r>
               <a:rPr lang="en-US" sz="3600" dirty="0"/>
-              <a:t>Unsupervised Learning versus Supervised Learning</a:t>
+              <a:t>K-Means vs Hierarchical Clustering</a:t>
             </a:r>
             <a:endParaRPr sz="3600" b="0" i="0" u="none" strike="noStrike" cap="none" dirty="0">
               <a:solidFill>
@@ -14125,6 +16197,151 @@
                 <a:spcPct val="140000"/>
               </a:lnSpc>
             </a:pPr>
+            <a:r>
+              <a:rPr lang="en-US" sz="2000" b="0" i="0" u="none" strike="noStrike" cap="none" dirty="0">
+                <a:latin typeface="Arial"/>
+                <a:ea typeface="Arial"/>
+                <a:cs typeface="Arial"/>
+                <a:sym typeface="Arial"/>
+              </a:rPr>
+              <a:t>K-Means –</a:t>
+            </a:r>
+          </a:p>
+          <a:p>
+            <a:pPr marL="342900" lvl="0" indent="-342900">
+              <a:lnSpc>
+                <a:spcPct val="140000"/>
+              </a:lnSpc>
+              <a:buFontTx/>
+              <a:buChar char="-"/>
+            </a:pPr>
+            <a:r>
+              <a:rPr lang="en-US" sz="2000" dirty="0"/>
+              <a:t>Powerful but simple implementation of solving clustering.</a:t>
+            </a:r>
+          </a:p>
+          <a:p>
+            <a:pPr marL="342900" lvl="0" indent="-342900">
+              <a:lnSpc>
+                <a:spcPct val="140000"/>
+              </a:lnSpc>
+              <a:buFontTx/>
+              <a:buChar char="-"/>
+            </a:pPr>
+            <a:r>
+              <a:rPr lang="en-US" sz="2000" b="0" i="0" u="none" strike="noStrike" cap="none" dirty="0">
+                <a:latin typeface="Arial"/>
+                <a:ea typeface="Arial"/>
+                <a:cs typeface="Arial"/>
+                <a:sym typeface="Arial"/>
+              </a:rPr>
+              <a:t>Random initialization of centroids leads to quality performance on discrete data sets.</a:t>
+            </a:r>
+          </a:p>
+          <a:p>
+            <a:pPr marL="342900" lvl="0" indent="-342900">
+              <a:lnSpc>
+                <a:spcPct val="140000"/>
+              </a:lnSpc>
+              <a:buFontTx/>
+              <a:buChar char="-"/>
+            </a:pPr>
+            <a:r>
+              <a:rPr lang="en-US" sz="2000" dirty="0"/>
+              <a:t>Less likely to converge properly on complex data sets (think crescent moons)</a:t>
+            </a:r>
+          </a:p>
+          <a:p>
+            <a:pPr marL="342900" lvl="0" indent="-342900">
+              <a:lnSpc>
+                <a:spcPct val="140000"/>
+              </a:lnSpc>
+              <a:buFontTx/>
+              <a:buChar char="-"/>
+            </a:pPr>
+            <a:r>
+              <a:rPr lang="en-US" sz="2000" b="0" i="0" u="none" strike="noStrike" cap="none" dirty="0">
+                <a:latin typeface="Arial"/>
+                <a:ea typeface="Arial"/>
+                <a:cs typeface="Arial"/>
+                <a:sym typeface="Arial"/>
+              </a:rPr>
+              <a:t>Still valuable for simple </a:t>
+            </a:r>
+            <a:r>
+              <a:rPr lang="en-US" sz="2000" dirty="0"/>
+              <a:t>data and “big” data applications due to efficiency.</a:t>
+            </a:r>
+          </a:p>
+          <a:p>
+            <a:pPr marL="342900" lvl="0" indent="-342900">
+              <a:lnSpc>
+                <a:spcPct val="140000"/>
+              </a:lnSpc>
+              <a:buFontTx/>
+              <a:buChar char="-"/>
+            </a:pPr>
+            <a:endParaRPr lang="en-US" sz="2000" b="0" i="0" u="none" strike="noStrike" cap="none" dirty="0">
+              <a:latin typeface="Arial"/>
+              <a:ea typeface="Arial"/>
+              <a:cs typeface="Arial"/>
+              <a:sym typeface="Arial"/>
+            </a:endParaRPr>
+          </a:p>
+          <a:p>
+            <a:pPr lvl="0">
+              <a:lnSpc>
+                <a:spcPct val="140000"/>
+              </a:lnSpc>
+            </a:pPr>
+            <a:r>
+              <a:rPr lang="en-US" sz="2000" dirty="0"/>
+              <a:t>Hierarchical Clustering –</a:t>
+            </a:r>
+          </a:p>
+          <a:p>
+            <a:pPr marL="342900" lvl="0" indent="-342900">
+              <a:lnSpc>
+                <a:spcPct val="140000"/>
+              </a:lnSpc>
+              <a:buFontTx/>
+              <a:buChar char="-"/>
+            </a:pPr>
+            <a:r>
+              <a:rPr lang="en-US" sz="2000" b="0" i="0" u="none" strike="noStrike" cap="none" dirty="0">
+                <a:latin typeface="Arial"/>
+                <a:ea typeface="Arial"/>
+                <a:cs typeface="Arial"/>
+                <a:sym typeface="Arial"/>
+              </a:rPr>
+              <a:t>More complex clustering implementation – takes longer</a:t>
+            </a:r>
+          </a:p>
+          <a:p>
+            <a:pPr marL="342900" lvl="0" indent="-342900">
+              <a:lnSpc>
+                <a:spcPct val="140000"/>
+              </a:lnSpc>
+              <a:buFontTx/>
+              <a:buChar char="-"/>
+            </a:pPr>
+            <a:r>
+              <a:rPr lang="en-US" sz="2000" dirty="0"/>
+              <a:t>Iteratively moves through data points to build a structured hierarchy of potential clusters.</a:t>
+            </a:r>
+          </a:p>
+          <a:p>
+            <a:pPr marL="342900" lvl="0" indent="-342900">
+              <a:lnSpc>
+                <a:spcPct val="140000"/>
+              </a:lnSpc>
+              <a:buFontTx/>
+              <a:buChar char="-"/>
+            </a:pPr>
+            <a:r>
+              <a:rPr lang="en-US" sz="2000" dirty="0"/>
+              <a:t>Slower but more capable of adapting to complex data applications.</a:t>
+            </a:r>
             <a:endParaRPr sz="2000" b="0" i="0" u="none" strike="noStrike" cap="none" dirty="0">
               <a:latin typeface="Arial"/>
               <a:ea typeface="Arial"/>
@@ -14304,7 +16521,16 @@
           <a:p>
             <a:r>
               <a:rPr lang="en-IN" sz="2000" dirty="0"/>
-              <a:t>Name the fields where supervised or unsupervised learning is used.</a:t>
+              <a:t>Why is K-Means better suited to what we have been calling “simple” data?</a:t>
+            </a:r>
+          </a:p>
+          <a:p>
+            <a:endParaRPr lang="en-IN" sz="2000" dirty="0"/>
+          </a:p>
+          <a:p>
+            <a:r>
+              <a:rPr lang="en-IN" sz="2000" dirty="0"/>
+              <a:t>Why might Hierarchical Clustering be better if we don’t know how many clusters we want before running our clustering approach?</a:t>
             </a:r>
           </a:p>
         </p:txBody>
@@ -14425,7 +16651,7 @@
             <a:pPr lvl="0"/>
             <a:r>
               <a:rPr lang="en-US" sz="3600" dirty="0"/>
-              <a:t>Clustering</a:t>
+              <a:t>Who are my neighbors?</a:t>
             </a:r>
             <a:endParaRPr sz="3600" b="0" i="0" u="none" strike="noStrike" cap="none" dirty="0">
               <a:solidFill>
@@ -14448,7 +16674,7 @@
         <p:spPr>
           <a:xfrm>
             <a:off x="648000" y="1700640"/>
-            <a:ext cx="10079640" cy="4320000"/>
+            <a:ext cx="5767314" cy="4787246"/>
           </a:xfrm>
           <a:prstGeom prst="rect">
             <a:avLst/>
@@ -14469,6 +16695,73 @@
                 <a:spcPct val="140000"/>
               </a:lnSpc>
             </a:pPr>
+            <a:r>
+              <a:rPr lang="en-US" sz="2000" dirty="0"/>
+              <a:t>Almost all clustering techniques deal with the notion of neighbors in your data set.</a:t>
+            </a:r>
+          </a:p>
+          <a:p>
+            <a:pPr lvl="0">
+              <a:lnSpc>
+                <a:spcPct val="140000"/>
+              </a:lnSpc>
+            </a:pPr>
+            <a:endParaRPr lang="en-US" sz="2000" b="0" i="0" u="none" strike="noStrike" cap="none" dirty="0">
+              <a:latin typeface="Arial"/>
+              <a:ea typeface="Arial"/>
+              <a:cs typeface="Arial"/>
+              <a:sym typeface="Arial"/>
+            </a:endParaRPr>
+          </a:p>
+          <a:p>
+            <a:pPr lvl="0">
+              <a:lnSpc>
+                <a:spcPct val="140000"/>
+              </a:lnSpc>
+            </a:pPr>
+            <a:r>
+              <a:rPr lang="en-US" sz="2000" dirty="0"/>
+              <a:t>In the past we’ve seen the neighbor search conducted with straightforward Euclidean distance.</a:t>
+            </a:r>
+          </a:p>
+          <a:p>
+            <a:pPr marL="342900" lvl="0" indent="-342900">
+              <a:lnSpc>
+                <a:spcPct val="140000"/>
+              </a:lnSpc>
+              <a:buFontTx/>
+              <a:buChar char="-"/>
+            </a:pPr>
+            <a:r>
+              <a:rPr lang="en-US" sz="2000" dirty="0"/>
+              <a:t>Depending on how close the nearest point is, they can be considered a neighbor</a:t>
+            </a:r>
+          </a:p>
+          <a:p>
+            <a:pPr marL="342900" lvl="0" indent="-342900">
+              <a:lnSpc>
+                <a:spcPct val="140000"/>
+              </a:lnSpc>
+              <a:buFontTx/>
+              <a:buChar char="-"/>
+            </a:pPr>
+            <a:endParaRPr lang="en-US" sz="2000" b="0" i="0" u="none" strike="noStrike" cap="none" dirty="0">
+              <a:latin typeface="Arial"/>
+              <a:ea typeface="Arial"/>
+              <a:cs typeface="Arial"/>
+              <a:sym typeface="Arial"/>
+            </a:endParaRPr>
+          </a:p>
+          <a:p>
+            <a:pPr lvl="0">
+              <a:lnSpc>
+                <a:spcPct val="140000"/>
+              </a:lnSpc>
+            </a:pPr>
+            <a:r>
+              <a:rPr lang="en-US" sz="2000" dirty="0"/>
+              <a:t>Example on the right shows 4 “neighborhoods” with one circled in red.</a:t>
+            </a:r>
             <a:endParaRPr sz="2000" b="0" i="0" u="none" strike="noStrike" cap="none" dirty="0">
               <a:latin typeface="Arial"/>
               <a:ea typeface="Arial"/>
@@ -14533,6 +16826,34 @@
           </a:p>
         </p:txBody>
       </p:sp>
+      <p:pic>
+        <p:nvPicPr>
+          <p:cNvPr id="5" name="Picture 4">
+            <a:extLst>
+              <a:ext uri="{FF2B5EF4-FFF2-40B4-BE49-F238E27FC236}">
+                <a16:creationId xmlns:a16="http://schemas.microsoft.com/office/drawing/2014/main" id="{951540F6-B69B-6041-948D-743A9B5222D5}"/>
+              </a:ext>
+            </a:extLst>
+          </p:cNvPr>
+          <p:cNvPicPr/>
+          <p:nvPr/>
+        </p:nvPicPr>
+        <p:blipFill>
+          <a:blip r:embed="rId3"/>
+          <a:stretch>
+            <a:fillRect/>
+          </a:stretch>
+        </p:blipFill>
+        <p:spPr>
+          <a:xfrm>
+            <a:off x="6623742" y="2190114"/>
+            <a:ext cx="4920260" cy="3774726"/>
+          </a:xfrm>
+          <a:prstGeom prst="rect">
+            <a:avLst/>
+          </a:prstGeom>
+        </p:spPr>
+      </p:pic>
     </p:spTree>
     <p:extLst>
       <p:ext uri="{BB962C8B-B14F-4D97-AF65-F5344CB8AC3E}">
@@ -14648,7 +16969,32 @@
           <a:p>
             <a:r>
               <a:rPr lang="en-IN" sz="2000" dirty="0"/>
-              <a:t>Can you give examples from past work experience where clustering has proven valuable? If you haven’t used it before, can you provide some examples of why knowing what records are similar in your data set may be valuable?</a:t>
+              <a:t>How do we know if every data point in your set is considered a quality </a:t>
+            </a:r>
+            <a:r>
+              <a:rPr lang="en-IN" sz="2000" dirty="0" err="1"/>
+              <a:t>neighbor</a:t>
+            </a:r>
+            <a:r>
+              <a:rPr lang="en-IN" sz="2000" dirty="0"/>
+              <a:t>?</a:t>
+            </a:r>
+          </a:p>
+          <a:p>
+            <a:endParaRPr lang="en-IN" sz="2000" dirty="0"/>
+          </a:p>
+          <a:p>
+            <a:r>
+              <a:rPr lang="en-IN" sz="2000" dirty="0"/>
+              <a:t>Is just using Euclidean distance the best we can do to evaluate </a:t>
+            </a:r>
+            <a:r>
+              <a:rPr lang="en-IN" sz="2000" dirty="0" err="1"/>
+              <a:t>neighbor</a:t>
+            </a:r>
+            <a:r>
+              <a:rPr lang="en-IN" sz="2000" dirty="0"/>
+              <a:t> candidacy?</a:t>
             </a:r>
           </a:p>
         </p:txBody>
